--- a/presentation/projet_annuel.pptx
+++ b/presentation/projet_annuel.pptx
@@ -106,6 +106,11 @@
       </a:defRPr>
     </a:lvl9pPr>
   </p:defaultTextStyle>
+  <p:extLst>
+    <p:ext uri="{EFAFB233-063F-42B5-8137-9DF3F51BA10A}">
+      <p15:sldGuideLst xmlns:p15="http://schemas.microsoft.com/office/powerpoint/2012/main"/>
+    </p:ext>
+  </p:extLst>
 </p:presentation>
 </file>
 
@@ -264,7 +269,7 @@
           <a:p>
             <a:fld id="{E95CC46A-894C-4D46-B563-32FB9DA6A884}" type="datetimeFigureOut">
               <a:rPr lang="fr-FR" smtClean="0"/>
-              <a:t>10/07/2023</a:t>
+              <a:t>12/07/2023</a:t>
             </a:fld>
             <a:endParaRPr lang="fr-FR"/>
           </a:p>
@@ -462,7 +467,7 @@
           <a:p>
             <a:fld id="{E95CC46A-894C-4D46-B563-32FB9DA6A884}" type="datetimeFigureOut">
               <a:rPr lang="fr-FR" smtClean="0"/>
-              <a:t>10/07/2023</a:t>
+              <a:t>12/07/2023</a:t>
             </a:fld>
             <a:endParaRPr lang="fr-FR"/>
           </a:p>
@@ -670,7 +675,7 @@
           <a:p>
             <a:fld id="{E95CC46A-894C-4D46-B563-32FB9DA6A884}" type="datetimeFigureOut">
               <a:rPr lang="fr-FR" smtClean="0"/>
-              <a:t>10/07/2023</a:t>
+              <a:t>12/07/2023</a:t>
             </a:fld>
             <a:endParaRPr lang="fr-FR"/>
           </a:p>
@@ -868,7 +873,7 @@
           <a:p>
             <a:fld id="{E95CC46A-894C-4D46-B563-32FB9DA6A884}" type="datetimeFigureOut">
               <a:rPr lang="fr-FR" smtClean="0"/>
-              <a:t>10/07/2023</a:t>
+              <a:t>12/07/2023</a:t>
             </a:fld>
             <a:endParaRPr lang="fr-FR"/>
           </a:p>
@@ -1143,7 +1148,7 @@
           <a:p>
             <a:fld id="{E95CC46A-894C-4D46-B563-32FB9DA6A884}" type="datetimeFigureOut">
               <a:rPr lang="fr-FR" smtClean="0"/>
-              <a:t>10/07/2023</a:t>
+              <a:t>12/07/2023</a:t>
             </a:fld>
             <a:endParaRPr lang="fr-FR"/>
           </a:p>
@@ -1408,7 +1413,7 @@
           <a:p>
             <a:fld id="{E95CC46A-894C-4D46-B563-32FB9DA6A884}" type="datetimeFigureOut">
               <a:rPr lang="fr-FR" smtClean="0"/>
-              <a:t>10/07/2023</a:t>
+              <a:t>12/07/2023</a:t>
             </a:fld>
             <a:endParaRPr lang="fr-FR"/>
           </a:p>
@@ -1820,7 +1825,7 @@
           <a:p>
             <a:fld id="{E95CC46A-894C-4D46-B563-32FB9DA6A884}" type="datetimeFigureOut">
               <a:rPr lang="fr-FR" smtClean="0"/>
-              <a:t>10/07/2023</a:t>
+              <a:t>12/07/2023</a:t>
             </a:fld>
             <a:endParaRPr lang="fr-FR"/>
           </a:p>
@@ -1961,7 +1966,7 @@
           <a:p>
             <a:fld id="{E95CC46A-894C-4D46-B563-32FB9DA6A884}" type="datetimeFigureOut">
               <a:rPr lang="fr-FR" smtClean="0"/>
-              <a:t>10/07/2023</a:t>
+              <a:t>12/07/2023</a:t>
             </a:fld>
             <a:endParaRPr lang="fr-FR"/>
           </a:p>
@@ -2074,7 +2079,7 @@
           <a:p>
             <a:fld id="{E95CC46A-894C-4D46-B563-32FB9DA6A884}" type="datetimeFigureOut">
               <a:rPr lang="fr-FR" smtClean="0"/>
-              <a:t>10/07/2023</a:t>
+              <a:t>12/07/2023</a:t>
             </a:fld>
             <a:endParaRPr lang="fr-FR"/>
           </a:p>
@@ -2385,7 +2390,7 @@
           <a:p>
             <a:fld id="{E95CC46A-894C-4D46-B563-32FB9DA6A884}" type="datetimeFigureOut">
               <a:rPr lang="fr-FR" smtClean="0"/>
-              <a:t>10/07/2023</a:t>
+              <a:t>12/07/2023</a:t>
             </a:fld>
             <a:endParaRPr lang="fr-FR"/>
           </a:p>
@@ -2673,7 +2678,7 @@
           <a:p>
             <a:fld id="{E95CC46A-894C-4D46-B563-32FB9DA6A884}" type="datetimeFigureOut">
               <a:rPr lang="fr-FR" smtClean="0"/>
-              <a:t>10/07/2023</a:t>
+              <a:t>12/07/2023</a:t>
             </a:fld>
             <a:endParaRPr lang="fr-FR"/>
           </a:p>
@@ -2914,7 +2919,7 @@
           <a:p>
             <a:fld id="{E95CC46A-894C-4D46-B563-32FB9DA6A884}" type="datetimeFigureOut">
               <a:rPr lang="fr-FR" smtClean="0"/>
-              <a:t>10/07/2023</a:t>
+              <a:t>12/07/2023</a:t>
             </a:fld>
             <a:endParaRPr lang="fr-FR"/>
           </a:p>
@@ -3380,7 +3385,7 @@
           <a:lstStyle/>
           <a:p>
             <a:pPr algn="ctr"/>
-            <a:endParaRPr lang="fr-FR"/>
+            <a:endParaRPr lang="fr-FR" dirty="0"/>
           </a:p>
         </p:txBody>
       </p:sp>
@@ -4351,13 +4356,10 @@
               </a:rPr>
               <a:t>PostgresSQL</a:t>
             </a:r>
-            <a:r>
-              <a:rPr lang="fr-FR" b="1" dirty="0">
-                <a:latin typeface="Arial" panose="020B0604020202020204" pitchFamily="34" charset="0"/>
-                <a:cs typeface="Arial" panose="020B0604020202020204" pitchFamily="34" charset="0"/>
-              </a:rPr>
-              <a:t> – PORT 5432</a:t>
-            </a:r>
+            <a:endParaRPr lang="fr-FR" b="1" dirty="0">
+              <a:latin typeface="Arial" panose="020B0604020202020204" pitchFamily="34" charset="0"/>
+              <a:cs typeface="Arial" panose="020B0604020202020204" pitchFamily="34" charset="0"/>
+            </a:endParaRPr>
           </a:p>
         </p:txBody>
       </p:sp>
@@ -4418,7 +4420,7 @@
         </p:nvSpPr>
         <p:spPr>
           <a:xfrm>
-            <a:off x="726490" y="5259344"/>
+            <a:off x="704287" y="5248283"/>
             <a:ext cx="5220070" cy="369332"/>
           </a:xfrm>
           <a:prstGeom prst="rect">
@@ -4501,7 +4503,7 @@
                 <a:latin typeface="Arial" panose="020B0604020202020204" pitchFamily="34" charset="0"/>
                 <a:cs typeface="Arial" panose="020B0604020202020204" pitchFamily="34" charset="0"/>
               </a:rPr>
-              <a:t>-exporter – PORT 9100</a:t>
+              <a:t>-exporter</a:t>
             </a:r>
           </a:p>
         </p:txBody>
@@ -4521,7 +4523,7 @@
         <p:spPr>
           <a:xfrm>
             <a:off x="9681840" y="4757910"/>
-            <a:ext cx="1911658" cy="646331"/>
+            <a:ext cx="1911658" cy="369332"/>
           </a:xfrm>
           <a:prstGeom prst="rect">
             <a:avLst/>
@@ -4545,7 +4547,7 @@
                 <a:latin typeface="Arial" panose="020B0604020202020204" pitchFamily="34" charset="0"/>
                 <a:cs typeface="Arial" panose="020B0604020202020204" pitchFamily="34" charset="0"/>
               </a:rPr>
-              <a:t>CADVISOR – PORT 8086</a:t>
+              <a:t>CADVISOR</a:t>
             </a:r>
           </a:p>
         </p:txBody>
@@ -4589,7 +4591,7 @@
                 <a:latin typeface="Arial" panose="020B0604020202020204" pitchFamily="34" charset="0"/>
                 <a:cs typeface="Arial" panose="020B0604020202020204" pitchFamily="34" charset="0"/>
               </a:rPr>
-              <a:t>REDIS – PORT 6379</a:t>
+              <a:t>REDIS</a:t>
             </a:r>
           </a:p>
         </p:txBody>
@@ -4633,7 +4635,7 @@
                 <a:latin typeface="Arial" panose="020B0604020202020204" pitchFamily="34" charset="0"/>
                 <a:cs typeface="Arial" panose="020B0604020202020204" pitchFamily="34" charset="0"/>
               </a:rPr>
-              <a:t>PROMETHEUS – PORT 6379</a:t>
+              <a:t>PROMETHEUS</a:t>
             </a:r>
           </a:p>
         </p:txBody>
@@ -4648,6 +4650,1606 @@
   <p:clrMapOvr>
     <a:masterClrMapping/>
   </p:clrMapOvr>
+  <p:timing>
+    <p:tnLst>
+      <p:par>
+        <p:cTn id="1" dur="indefinite" restart="never" nodeType="tmRoot">
+          <p:childTnLst>
+            <p:seq concurrent="1" nextAc="seek">
+              <p:cTn id="2" dur="indefinite" nodeType="mainSeq">
+                <p:childTnLst>
+                  <p:par>
+                    <p:cTn id="3" fill="hold">
+                      <p:stCondLst>
+                        <p:cond delay="indefinite"/>
+                      </p:stCondLst>
+                      <p:childTnLst>
+                        <p:par>
+                          <p:cTn id="4" fill="hold">
+                            <p:stCondLst>
+                              <p:cond delay="0"/>
+                            </p:stCondLst>
+                            <p:childTnLst>
+                              <p:par>
+                                <p:cTn id="5" presetID="1" presetClass="entr" presetSubtype="0" fill="hold" grpId="0" nodeType="clickEffect">
+                                  <p:stCondLst>
+                                    <p:cond delay="0"/>
+                                  </p:stCondLst>
+                                  <p:childTnLst>
+                                    <p:set>
+                                      <p:cBhvr>
+                                        <p:cTn id="6" dur="1" fill="hold">
+                                          <p:stCondLst>
+                                            <p:cond delay="0"/>
+                                          </p:stCondLst>
+                                        </p:cTn>
+                                        <p:tgtEl>
+                                          <p:spTgt spid="4"/>
+                                        </p:tgtEl>
+                                        <p:attrNameLst>
+                                          <p:attrName>style.visibility</p:attrName>
+                                        </p:attrNameLst>
+                                      </p:cBhvr>
+                                      <p:to>
+                                        <p:strVal val="visible"/>
+                                      </p:to>
+                                    </p:set>
+                                  </p:childTnLst>
+                                </p:cTn>
+                              </p:par>
+                              <p:par>
+                                <p:cTn id="7" presetID="1" presetClass="entr" presetSubtype="0" fill="hold" grpId="0" nodeType="withEffect">
+                                  <p:stCondLst>
+                                    <p:cond delay="0"/>
+                                  </p:stCondLst>
+                                  <p:childTnLst>
+                                    <p:set>
+                                      <p:cBhvr>
+                                        <p:cTn id="8" dur="1" fill="hold">
+                                          <p:stCondLst>
+                                            <p:cond delay="0"/>
+                                          </p:stCondLst>
+                                        </p:cTn>
+                                        <p:tgtEl>
+                                          <p:spTgt spid="5"/>
+                                        </p:tgtEl>
+                                        <p:attrNameLst>
+                                          <p:attrName>style.visibility</p:attrName>
+                                        </p:attrNameLst>
+                                      </p:cBhvr>
+                                      <p:to>
+                                        <p:strVal val="visible"/>
+                                      </p:to>
+                                    </p:set>
+                                  </p:childTnLst>
+                                </p:cTn>
+                              </p:par>
+                            </p:childTnLst>
+                          </p:cTn>
+                        </p:par>
+                      </p:childTnLst>
+                    </p:cTn>
+                  </p:par>
+                  <p:par>
+                    <p:cTn id="9" fill="hold">
+                      <p:stCondLst>
+                        <p:cond delay="indefinite"/>
+                      </p:stCondLst>
+                      <p:childTnLst>
+                        <p:par>
+                          <p:cTn id="10" fill="hold">
+                            <p:stCondLst>
+                              <p:cond delay="0"/>
+                            </p:stCondLst>
+                            <p:childTnLst>
+                              <p:par>
+                                <p:cTn id="11" presetID="1" presetClass="entr" presetSubtype="0" fill="hold" grpId="0" nodeType="clickEffect">
+                                  <p:stCondLst>
+                                    <p:cond delay="0"/>
+                                  </p:stCondLst>
+                                  <p:childTnLst>
+                                    <p:set>
+                                      <p:cBhvr>
+                                        <p:cTn id="12" dur="1" fill="hold">
+                                          <p:stCondLst>
+                                            <p:cond delay="0"/>
+                                          </p:stCondLst>
+                                        </p:cTn>
+                                        <p:tgtEl>
+                                          <p:spTgt spid="6"/>
+                                        </p:tgtEl>
+                                        <p:attrNameLst>
+                                          <p:attrName>style.visibility</p:attrName>
+                                        </p:attrNameLst>
+                                      </p:cBhvr>
+                                      <p:to>
+                                        <p:strVal val="visible"/>
+                                      </p:to>
+                                    </p:set>
+                                  </p:childTnLst>
+                                </p:cTn>
+                              </p:par>
+                              <p:par>
+                                <p:cTn id="13" presetID="1" presetClass="entr" presetSubtype="0" fill="hold" grpId="0" nodeType="withEffect">
+                                  <p:stCondLst>
+                                    <p:cond delay="0"/>
+                                  </p:stCondLst>
+                                  <p:childTnLst>
+                                    <p:set>
+                                      <p:cBhvr>
+                                        <p:cTn id="14" dur="1" fill="hold">
+                                          <p:stCondLst>
+                                            <p:cond delay="0"/>
+                                          </p:stCondLst>
+                                        </p:cTn>
+                                        <p:tgtEl>
+                                          <p:spTgt spid="7"/>
+                                        </p:tgtEl>
+                                        <p:attrNameLst>
+                                          <p:attrName>style.visibility</p:attrName>
+                                        </p:attrNameLst>
+                                      </p:cBhvr>
+                                      <p:to>
+                                        <p:strVal val="visible"/>
+                                      </p:to>
+                                    </p:set>
+                                  </p:childTnLst>
+                                </p:cTn>
+                              </p:par>
+                            </p:childTnLst>
+                          </p:cTn>
+                        </p:par>
+                      </p:childTnLst>
+                    </p:cTn>
+                  </p:par>
+                  <p:par>
+                    <p:cTn id="15" fill="hold">
+                      <p:stCondLst>
+                        <p:cond delay="indefinite"/>
+                      </p:stCondLst>
+                      <p:childTnLst>
+                        <p:par>
+                          <p:cTn id="16" fill="hold">
+                            <p:stCondLst>
+                              <p:cond delay="0"/>
+                            </p:stCondLst>
+                            <p:childTnLst>
+                              <p:par>
+                                <p:cTn id="17" presetID="1" presetClass="entr" presetSubtype="0" fill="hold" grpId="0" nodeType="clickEffect">
+                                  <p:stCondLst>
+                                    <p:cond delay="0"/>
+                                  </p:stCondLst>
+                                  <p:childTnLst>
+                                    <p:set>
+                                      <p:cBhvr>
+                                        <p:cTn id="18" dur="1" fill="hold">
+                                          <p:stCondLst>
+                                            <p:cond delay="0"/>
+                                          </p:stCondLst>
+                                        </p:cTn>
+                                        <p:tgtEl>
+                                          <p:spTgt spid="9"/>
+                                        </p:tgtEl>
+                                        <p:attrNameLst>
+                                          <p:attrName>style.visibility</p:attrName>
+                                        </p:attrNameLst>
+                                      </p:cBhvr>
+                                      <p:to>
+                                        <p:strVal val="visible"/>
+                                      </p:to>
+                                    </p:set>
+                                  </p:childTnLst>
+                                </p:cTn>
+                              </p:par>
+                              <p:par>
+                                <p:cTn id="19" presetID="1" presetClass="entr" presetSubtype="0" fill="hold" grpId="0" nodeType="withEffect">
+                                  <p:stCondLst>
+                                    <p:cond delay="0"/>
+                                  </p:stCondLst>
+                                  <p:childTnLst>
+                                    <p:set>
+                                      <p:cBhvr>
+                                        <p:cTn id="20" dur="1" fill="hold">
+                                          <p:stCondLst>
+                                            <p:cond delay="0"/>
+                                          </p:stCondLst>
+                                        </p:cTn>
+                                        <p:tgtEl>
+                                          <p:spTgt spid="8"/>
+                                        </p:tgtEl>
+                                        <p:attrNameLst>
+                                          <p:attrName>style.visibility</p:attrName>
+                                        </p:attrNameLst>
+                                      </p:cBhvr>
+                                      <p:to>
+                                        <p:strVal val="visible"/>
+                                      </p:to>
+                                    </p:set>
+                                  </p:childTnLst>
+                                </p:cTn>
+                              </p:par>
+                            </p:childTnLst>
+                          </p:cTn>
+                        </p:par>
+                      </p:childTnLst>
+                    </p:cTn>
+                  </p:par>
+                  <p:par>
+                    <p:cTn id="21" fill="hold">
+                      <p:stCondLst>
+                        <p:cond delay="indefinite"/>
+                      </p:stCondLst>
+                      <p:childTnLst>
+                        <p:par>
+                          <p:cTn id="22" fill="hold">
+                            <p:stCondLst>
+                              <p:cond delay="0"/>
+                            </p:stCondLst>
+                            <p:childTnLst>
+                              <p:par>
+                                <p:cTn id="23" presetID="1" presetClass="entr" presetSubtype="0" fill="hold" grpId="0" nodeType="clickEffect">
+                                  <p:stCondLst>
+                                    <p:cond delay="0"/>
+                                  </p:stCondLst>
+                                  <p:childTnLst>
+                                    <p:set>
+                                      <p:cBhvr>
+                                        <p:cTn id="24" dur="1" fill="hold">
+                                          <p:stCondLst>
+                                            <p:cond delay="0"/>
+                                          </p:stCondLst>
+                                        </p:cTn>
+                                        <p:tgtEl>
+                                          <p:spTgt spid="11"/>
+                                        </p:tgtEl>
+                                        <p:attrNameLst>
+                                          <p:attrName>style.visibility</p:attrName>
+                                        </p:attrNameLst>
+                                      </p:cBhvr>
+                                      <p:to>
+                                        <p:strVal val="visible"/>
+                                      </p:to>
+                                    </p:set>
+                                  </p:childTnLst>
+                                </p:cTn>
+                              </p:par>
+                              <p:par>
+                                <p:cTn id="25" presetID="1" presetClass="entr" presetSubtype="0" fill="hold" grpId="0" nodeType="withEffect">
+                                  <p:stCondLst>
+                                    <p:cond delay="0"/>
+                                  </p:stCondLst>
+                                  <p:childTnLst>
+                                    <p:set>
+                                      <p:cBhvr>
+                                        <p:cTn id="26" dur="1" fill="hold">
+                                          <p:stCondLst>
+                                            <p:cond delay="0"/>
+                                          </p:stCondLst>
+                                        </p:cTn>
+                                        <p:tgtEl>
+                                          <p:spTgt spid="10"/>
+                                        </p:tgtEl>
+                                        <p:attrNameLst>
+                                          <p:attrName>style.visibility</p:attrName>
+                                        </p:attrNameLst>
+                                      </p:cBhvr>
+                                      <p:to>
+                                        <p:strVal val="visible"/>
+                                      </p:to>
+                                    </p:set>
+                                  </p:childTnLst>
+                                </p:cTn>
+                              </p:par>
+                            </p:childTnLst>
+                          </p:cTn>
+                        </p:par>
+                      </p:childTnLst>
+                    </p:cTn>
+                  </p:par>
+                  <p:par>
+                    <p:cTn id="27" fill="hold">
+                      <p:stCondLst>
+                        <p:cond delay="indefinite"/>
+                      </p:stCondLst>
+                      <p:childTnLst>
+                        <p:par>
+                          <p:cTn id="28" fill="hold">
+                            <p:stCondLst>
+                              <p:cond delay="0"/>
+                            </p:stCondLst>
+                            <p:childTnLst>
+                              <p:par>
+                                <p:cTn id="29" presetID="1" presetClass="entr" presetSubtype="0" fill="hold" grpId="0" nodeType="clickEffect">
+                                  <p:stCondLst>
+                                    <p:cond delay="0"/>
+                                  </p:stCondLst>
+                                  <p:childTnLst>
+                                    <p:set>
+                                      <p:cBhvr>
+                                        <p:cTn id="30" dur="1" fill="hold">
+                                          <p:stCondLst>
+                                            <p:cond delay="0"/>
+                                          </p:stCondLst>
+                                        </p:cTn>
+                                        <p:tgtEl>
+                                          <p:spTgt spid="12"/>
+                                        </p:tgtEl>
+                                        <p:attrNameLst>
+                                          <p:attrName>style.visibility</p:attrName>
+                                        </p:attrNameLst>
+                                      </p:cBhvr>
+                                      <p:to>
+                                        <p:strVal val="visible"/>
+                                      </p:to>
+                                    </p:set>
+                                  </p:childTnLst>
+                                </p:cTn>
+                              </p:par>
+                            </p:childTnLst>
+                          </p:cTn>
+                        </p:par>
+                        <p:par>
+                          <p:cTn id="31" fill="hold">
+                            <p:stCondLst>
+                              <p:cond delay="0"/>
+                            </p:stCondLst>
+                            <p:childTnLst>
+                              <p:par>
+                                <p:cTn id="32" presetID="1" presetClass="entr" presetSubtype="0" fill="hold" grpId="0" nodeType="afterEffect">
+                                  <p:stCondLst>
+                                    <p:cond delay="0"/>
+                                  </p:stCondLst>
+                                  <p:childTnLst>
+                                    <p:set>
+                                      <p:cBhvr>
+                                        <p:cTn id="33" dur="1" fill="hold">
+                                          <p:stCondLst>
+                                            <p:cond delay="0"/>
+                                          </p:stCondLst>
+                                        </p:cTn>
+                                        <p:tgtEl>
+                                          <p:spTgt spid="14"/>
+                                        </p:tgtEl>
+                                        <p:attrNameLst>
+                                          <p:attrName>style.visibility</p:attrName>
+                                        </p:attrNameLst>
+                                      </p:cBhvr>
+                                      <p:to>
+                                        <p:strVal val="visible"/>
+                                      </p:to>
+                                    </p:set>
+                                  </p:childTnLst>
+                                </p:cTn>
+                              </p:par>
+                            </p:childTnLst>
+                          </p:cTn>
+                        </p:par>
+                      </p:childTnLst>
+                    </p:cTn>
+                  </p:par>
+                  <p:par>
+                    <p:cTn id="34" fill="hold">
+                      <p:stCondLst>
+                        <p:cond delay="indefinite"/>
+                      </p:stCondLst>
+                      <p:childTnLst>
+                        <p:par>
+                          <p:cTn id="35" fill="hold">
+                            <p:stCondLst>
+                              <p:cond delay="0"/>
+                            </p:stCondLst>
+                            <p:childTnLst>
+                              <p:par>
+                                <p:cTn id="36" presetID="1" presetClass="entr" presetSubtype="0" fill="hold" grpId="0" nodeType="clickEffect">
+                                  <p:stCondLst>
+                                    <p:cond delay="0"/>
+                                  </p:stCondLst>
+                                  <p:childTnLst>
+                                    <p:set>
+                                      <p:cBhvr>
+                                        <p:cTn id="37" dur="1" fill="hold">
+                                          <p:stCondLst>
+                                            <p:cond delay="0"/>
+                                          </p:stCondLst>
+                                        </p:cTn>
+                                        <p:tgtEl>
+                                          <p:spTgt spid="13"/>
+                                        </p:tgtEl>
+                                        <p:attrNameLst>
+                                          <p:attrName>style.visibility</p:attrName>
+                                        </p:attrNameLst>
+                                      </p:cBhvr>
+                                      <p:to>
+                                        <p:strVal val="visible"/>
+                                      </p:to>
+                                    </p:set>
+                                  </p:childTnLst>
+                                </p:cTn>
+                              </p:par>
+                            </p:childTnLst>
+                          </p:cTn>
+                        </p:par>
+                        <p:par>
+                          <p:cTn id="38" fill="hold">
+                            <p:stCondLst>
+                              <p:cond delay="0"/>
+                            </p:stCondLst>
+                            <p:childTnLst>
+                              <p:par>
+                                <p:cTn id="39" presetID="1" presetClass="entr" presetSubtype="0" fill="hold" grpId="0" nodeType="afterEffect">
+                                  <p:stCondLst>
+                                    <p:cond delay="0"/>
+                                  </p:stCondLst>
+                                  <p:childTnLst>
+                                    <p:set>
+                                      <p:cBhvr>
+                                        <p:cTn id="40" dur="1" fill="hold">
+                                          <p:stCondLst>
+                                            <p:cond delay="0"/>
+                                          </p:stCondLst>
+                                        </p:cTn>
+                                        <p:tgtEl>
+                                          <p:spTgt spid="15"/>
+                                        </p:tgtEl>
+                                        <p:attrNameLst>
+                                          <p:attrName>style.visibility</p:attrName>
+                                        </p:attrNameLst>
+                                      </p:cBhvr>
+                                      <p:to>
+                                        <p:strVal val="visible"/>
+                                      </p:to>
+                                    </p:set>
+                                  </p:childTnLst>
+                                </p:cTn>
+                              </p:par>
+                            </p:childTnLst>
+                          </p:cTn>
+                        </p:par>
+                      </p:childTnLst>
+                    </p:cTn>
+                  </p:par>
+                  <p:par>
+                    <p:cTn id="41" fill="hold">
+                      <p:stCondLst>
+                        <p:cond delay="indefinite"/>
+                      </p:stCondLst>
+                      <p:childTnLst>
+                        <p:par>
+                          <p:cTn id="42" fill="hold">
+                            <p:stCondLst>
+                              <p:cond delay="0"/>
+                            </p:stCondLst>
+                            <p:childTnLst>
+                              <p:par>
+                                <p:cTn id="43" presetID="1" presetClass="entr" presetSubtype="0" fill="hold" grpId="0" nodeType="clickEffect">
+                                  <p:stCondLst>
+                                    <p:cond delay="0"/>
+                                  </p:stCondLst>
+                                  <p:childTnLst>
+                                    <p:set>
+                                      <p:cBhvr>
+                                        <p:cTn id="44" dur="1" fill="hold">
+                                          <p:stCondLst>
+                                            <p:cond delay="0"/>
+                                          </p:stCondLst>
+                                        </p:cTn>
+                                        <p:tgtEl>
+                                          <p:spTgt spid="17"/>
+                                        </p:tgtEl>
+                                        <p:attrNameLst>
+                                          <p:attrName>style.visibility</p:attrName>
+                                        </p:attrNameLst>
+                                      </p:cBhvr>
+                                      <p:to>
+                                        <p:strVal val="visible"/>
+                                      </p:to>
+                                    </p:set>
+                                  </p:childTnLst>
+                                </p:cTn>
+                              </p:par>
+                              <p:par>
+                                <p:cTn id="45" presetID="2" presetClass="entr" presetSubtype="4" fill="hold" grpId="0" nodeType="withEffect">
+                                  <p:stCondLst>
+                                    <p:cond delay="0"/>
+                                  </p:stCondLst>
+                                  <p:childTnLst>
+                                    <p:set>
+                                      <p:cBhvr>
+                                        <p:cTn id="46" dur="1" fill="hold">
+                                          <p:stCondLst>
+                                            <p:cond delay="0"/>
+                                          </p:stCondLst>
+                                        </p:cTn>
+                                        <p:tgtEl>
+                                          <p:spTgt spid="18"/>
+                                        </p:tgtEl>
+                                        <p:attrNameLst>
+                                          <p:attrName>style.visibility</p:attrName>
+                                        </p:attrNameLst>
+                                      </p:cBhvr>
+                                      <p:to>
+                                        <p:strVal val="visible"/>
+                                      </p:to>
+                                    </p:set>
+                                    <p:anim calcmode="lin" valueType="num">
+                                      <p:cBhvr additive="base">
+                                        <p:cTn id="47" dur="500" fill="hold"/>
+                                        <p:tgtEl>
+                                          <p:spTgt spid="18"/>
+                                        </p:tgtEl>
+                                        <p:attrNameLst>
+                                          <p:attrName>ppt_x</p:attrName>
+                                        </p:attrNameLst>
+                                      </p:cBhvr>
+                                      <p:tavLst>
+                                        <p:tav tm="0">
+                                          <p:val>
+                                            <p:strVal val="#ppt_x"/>
+                                          </p:val>
+                                        </p:tav>
+                                        <p:tav tm="100000">
+                                          <p:val>
+                                            <p:strVal val="#ppt_x"/>
+                                          </p:val>
+                                        </p:tav>
+                                      </p:tavLst>
+                                    </p:anim>
+                                    <p:anim calcmode="lin" valueType="num">
+                                      <p:cBhvr additive="base">
+                                        <p:cTn id="48" dur="500" fill="hold"/>
+                                        <p:tgtEl>
+                                          <p:spTgt spid="18"/>
+                                        </p:tgtEl>
+                                        <p:attrNameLst>
+                                          <p:attrName>ppt_y</p:attrName>
+                                        </p:attrNameLst>
+                                      </p:cBhvr>
+                                      <p:tavLst>
+                                        <p:tav tm="0">
+                                          <p:val>
+                                            <p:strVal val="1+#ppt_h/2"/>
+                                          </p:val>
+                                        </p:tav>
+                                        <p:tav tm="100000">
+                                          <p:val>
+                                            <p:strVal val="#ppt_y"/>
+                                          </p:val>
+                                        </p:tav>
+                                      </p:tavLst>
+                                    </p:anim>
+                                  </p:childTnLst>
+                                </p:cTn>
+                              </p:par>
+                              <p:par>
+                                <p:cTn id="49" presetID="2" presetClass="entr" presetSubtype="4" fill="hold" grpId="0" nodeType="withEffect">
+                                  <p:stCondLst>
+                                    <p:cond delay="0"/>
+                                  </p:stCondLst>
+                                  <p:childTnLst>
+                                    <p:set>
+                                      <p:cBhvr>
+                                        <p:cTn id="50" dur="1" fill="hold">
+                                          <p:stCondLst>
+                                            <p:cond delay="0"/>
+                                          </p:stCondLst>
+                                        </p:cTn>
+                                        <p:tgtEl>
+                                          <p:spTgt spid="19"/>
+                                        </p:tgtEl>
+                                        <p:attrNameLst>
+                                          <p:attrName>style.visibility</p:attrName>
+                                        </p:attrNameLst>
+                                      </p:cBhvr>
+                                      <p:to>
+                                        <p:strVal val="visible"/>
+                                      </p:to>
+                                    </p:set>
+                                    <p:anim calcmode="lin" valueType="num">
+                                      <p:cBhvr additive="base">
+                                        <p:cTn id="51" dur="500" fill="hold"/>
+                                        <p:tgtEl>
+                                          <p:spTgt spid="19"/>
+                                        </p:tgtEl>
+                                        <p:attrNameLst>
+                                          <p:attrName>ppt_x</p:attrName>
+                                        </p:attrNameLst>
+                                      </p:cBhvr>
+                                      <p:tavLst>
+                                        <p:tav tm="0">
+                                          <p:val>
+                                            <p:strVal val="#ppt_x"/>
+                                          </p:val>
+                                        </p:tav>
+                                        <p:tav tm="100000">
+                                          <p:val>
+                                            <p:strVal val="#ppt_x"/>
+                                          </p:val>
+                                        </p:tav>
+                                      </p:tavLst>
+                                    </p:anim>
+                                    <p:anim calcmode="lin" valueType="num">
+                                      <p:cBhvr additive="base">
+                                        <p:cTn id="52" dur="500" fill="hold"/>
+                                        <p:tgtEl>
+                                          <p:spTgt spid="19"/>
+                                        </p:tgtEl>
+                                        <p:attrNameLst>
+                                          <p:attrName>ppt_y</p:attrName>
+                                        </p:attrNameLst>
+                                      </p:cBhvr>
+                                      <p:tavLst>
+                                        <p:tav tm="0">
+                                          <p:val>
+                                            <p:strVal val="1+#ppt_h/2"/>
+                                          </p:val>
+                                        </p:tav>
+                                        <p:tav tm="100000">
+                                          <p:val>
+                                            <p:strVal val="#ppt_y"/>
+                                          </p:val>
+                                        </p:tav>
+                                      </p:tavLst>
+                                    </p:anim>
+                                  </p:childTnLst>
+                                </p:cTn>
+                              </p:par>
+                              <p:par>
+                                <p:cTn id="53" presetID="2" presetClass="entr" presetSubtype="4" fill="hold" grpId="0" nodeType="withEffect">
+                                  <p:stCondLst>
+                                    <p:cond delay="0"/>
+                                  </p:stCondLst>
+                                  <p:childTnLst>
+                                    <p:set>
+                                      <p:cBhvr>
+                                        <p:cTn id="54" dur="1" fill="hold">
+                                          <p:stCondLst>
+                                            <p:cond delay="0"/>
+                                          </p:stCondLst>
+                                        </p:cTn>
+                                        <p:tgtEl>
+                                          <p:spTgt spid="20"/>
+                                        </p:tgtEl>
+                                        <p:attrNameLst>
+                                          <p:attrName>style.visibility</p:attrName>
+                                        </p:attrNameLst>
+                                      </p:cBhvr>
+                                      <p:to>
+                                        <p:strVal val="visible"/>
+                                      </p:to>
+                                    </p:set>
+                                    <p:anim calcmode="lin" valueType="num">
+                                      <p:cBhvr additive="base">
+                                        <p:cTn id="55" dur="500" fill="hold"/>
+                                        <p:tgtEl>
+                                          <p:spTgt spid="20"/>
+                                        </p:tgtEl>
+                                        <p:attrNameLst>
+                                          <p:attrName>ppt_x</p:attrName>
+                                        </p:attrNameLst>
+                                      </p:cBhvr>
+                                      <p:tavLst>
+                                        <p:tav tm="0">
+                                          <p:val>
+                                            <p:strVal val="#ppt_x"/>
+                                          </p:val>
+                                        </p:tav>
+                                        <p:tav tm="100000">
+                                          <p:val>
+                                            <p:strVal val="#ppt_x"/>
+                                          </p:val>
+                                        </p:tav>
+                                      </p:tavLst>
+                                    </p:anim>
+                                    <p:anim calcmode="lin" valueType="num">
+                                      <p:cBhvr additive="base">
+                                        <p:cTn id="56" dur="500" fill="hold"/>
+                                        <p:tgtEl>
+                                          <p:spTgt spid="20"/>
+                                        </p:tgtEl>
+                                        <p:attrNameLst>
+                                          <p:attrName>ppt_y</p:attrName>
+                                        </p:attrNameLst>
+                                      </p:cBhvr>
+                                      <p:tavLst>
+                                        <p:tav tm="0">
+                                          <p:val>
+                                            <p:strVal val="1+#ppt_h/2"/>
+                                          </p:val>
+                                        </p:tav>
+                                        <p:tav tm="100000">
+                                          <p:val>
+                                            <p:strVal val="#ppt_y"/>
+                                          </p:val>
+                                        </p:tav>
+                                      </p:tavLst>
+                                    </p:anim>
+                                  </p:childTnLst>
+                                </p:cTn>
+                              </p:par>
+                              <p:par>
+                                <p:cTn id="57" presetID="2" presetClass="entr" presetSubtype="4" fill="hold" grpId="0" nodeType="withEffect">
+                                  <p:stCondLst>
+                                    <p:cond delay="0"/>
+                                  </p:stCondLst>
+                                  <p:childTnLst>
+                                    <p:set>
+                                      <p:cBhvr>
+                                        <p:cTn id="58" dur="1" fill="hold">
+                                          <p:stCondLst>
+                                            <p:cond delay="0"/>
+                                          </p:stCondLst>
+                                        </p:cTn>
+                                        <p:tgtEl>
+                                          <p:spTgt spid="21"/>
+                                        </p:tgtEl>
+                                        <p:attrNameLst>
+                                          <p:attrName>style.visibility</p:attrName>
+                                        </p:attrNameLst>
+                                      </p:cBhvr>
+                                      <p:to>
+                                        <p:strVal val="visible"/>
+                                      </p:to>
+                                    </p:set>
+                                    <p:anim calcmode="lin" valueType="num">
+                                      <p:cBhvr additive="base">
+                                        <p:cTn id="59" dur="500" fill="hold"/>
+                                        <p:tgtEl>
+                                          <p:spTgt spid="21"/>
+                                        </p:tgtEl>
+                                        <p:attrNameLst>
+                                          <p:attrName>ppt_x</p:attrName>
+                                        </p:attrNameLst>
+                                      </p:cBhvr>
+                                      <p:tavLst>
+                                        <p:tav tm="0">
+                                          <p:val>
+                                            <p:strVal val="#ppt_x"/>
+                                          </p:val>
+                                        </p:tav>
+                                        <p:tav tm="100000">
+                                          <p:val>
+                                            <p:strVal val="#ppt_x"/>
+                                          </p:val>
+                                        </p:tav>
+                                      </p:tavLst>
+                                    </p:anim>
+                                    <p:anim calcmode="lin" valueType="num">
+                                      <p:cBhvr additive="base">
+                                        <p:cTn id="60" dur="500" fill="hold"/>
+                                        <p:tgtEl>
+                                          <p:spTgt spid="21"/>
+                                        </p:tgtEl>
+                                        <p:attrNameLst>
+                                          <p:attrName>ppt_y</p:attrName>
+                                        </p:attrNameLst>
+                                      </p:cBhvr>
+                                      <p:tavLst>
+                                        <p:tav tm="0">
+                                          <p:val>
+                                            <p:strVal val="1+#ppt_h/2"/>
+                                          </p:val>
+                                        </p:tav>
+                                        <p:tav tm="100000">
+                                          <p:val>
+                                            <p:strVal val="#ppt_y"/>
+                                          </p:val>
+                                        </p:tav>
+                                      </p:tavLst>
+                                    </p:anim>
+                                  </p:childTnLst>
+                                </p:cTn>
+                              </p:par>
+                            </p:childTnLst>
+                          </p:cTn>
+                        </p:par>
+                      </p:childTnLst>
+                    </p:cTn>
+                  </p:par>
+                  <p:par>
+                    <p:cTn id="61" fill="hold">
+                      <p:stCondLst>
+                        <p:cond delay="indefinite"/>
+                      </p:stCondLst>
+                      <p:childTnLst>
+                        <p:par>
+                          <p:cTn id="62" fill="hold">
+                            <p:stCondLst>
+                              <p:cond delay="0"/>
+                            </p:stCondLst>
+                            <p:childTnLst>
+                              <p:par>
+                                <p:cTn id="63" presetID="1" presetClass="entr" presetSubtype="0" fill="hold" nodeType="clickEffect">
+                                  <p:stCondLst>
+                                    <p:cond delay="0"/>
+                                  </p:stCondLst>
+                                  <p:childTnLst>
+                                    <p:set>
+                                      <p:cBhvr>
+                                        <p:cTn id="64" dur="1" fill="hold">
+                                          <p:stCondLst>
+                                            <p:cond delay="0"/>
+                                          </p:stCondLst>
+                                        </p:cTn>
+                                        <p:tgtEl>
+                                          <p:spTgt spid="23"/>
+                                        </p:tgtEl>
+                                        <p:attrNameLst>
+                                          <p:attrName>style.visibility</p:attrName>
+                                        </p:attrNameLst>
+                                      </p:cBhvr>
+                                      <p:to>
+                                        <p:strVal val="visible"/>
+                                      </p:to>
+                                    </p:set>
+                                  </p:childTnLst>
+                                </p:cTn>
+                              </p:par>
+                            </p:childTnLst>
+                          </p:cTn>
+                        </p:par>
+                        <p:par>
+                          <p:cTn id="65" fill="hold">
+                            <p:stCondLst>
+                              <p:cond delay="0"/>
+                            </p:stCondLst>
+                            <p:childTnLst>
+                              <p:par>
+                                <p:cTn id="66" presetID="53" presetClass="entr" presetSubtype="16" fill="hold" grpId="0" nodeType="afterEffect">
+                                  <p:stCondLst>
+                                    <p:cond delay="0"/>
+                                  </p:stCondLst>
+                                  <p:childTnLst>
+                                    <p:set>
+                                      <p:cBhvr>
+                                        <p:cTn id="67" dur="1" fill="hold">
+                                          <p:stCondLst>
+                                            <p:cond delay="0"/>
+                                          </p:stCondLst>
+                                        </p:cTn>
+                                        <p:tgtEl>
+                                          <p:spTgt spid="24"/>
+                                        </p:tgtEl>
+                                        <p:attrNameLst>
+                                          <p:attrName>style.visibility</p:attrName>
+                                        </p:attrNameLst>
+                                      </p:cBhvr>
+                                      <p:to>
+                                        <p:strVal val="visible"/>
+                                      </p:to>
+                                    </p:set>
+                                    <p:anim calcmode="lin" valueType="num">
+                                      <p:cBhvr>
+                                        <p:cTn id="68" dur="500" fill="hold"/>
+                                        <p:tgtEl>
+                                          <p:spTgt spid="24"/>
+                                        </p:tgtEl>
+                                        <p:attrNameLst>
+                                          <p:attrName>ppt_w</p:attrName>
+                                        </p:attrNameLst>
+                                      </p:cBhvr>
+                                      <p:tavLst>
+                                        <p:tav tm="0">
+                                          <p:val>
+                                            <p:fltVal val="0"/>
+                                          </p:val>
+                                        </p:tav>
+                                        <p:tav tm="100000">
+                                          <p:val>
+                                            <p:strVal val="#ppt_w"/>
+                                          </p:val>
+                                        </p:tav>
+                                      </p:tavLst>
+                                    </p:anim>
+                                    <p:anim calcmode="lin" valueType="num">
+                                      <p:cBhvr>
+                                        <p:cTn id="69" dur="500" fill="hold"/>
+                                        <p:tgtEl>
+                                          <p:spTgt spid="24"/>
+                                        </p:tgtEl>
+                                        <p:attrNameLst>
+                                          <p:attrName>ppt_h</p:attrName>
+                                        </p:attrNameLst>
+                                      </p:cBhvr>
+                                      <p:tavLst>
+                                        <p:tav tm="0">
+                                          <p:val>
+                                            <p:fltVal val="0"/>
+                                          </p:val>
+                                        </p:tav>
+                                        <p:tav tm="100000">
+                                          <p:val>
+                                            <p:strVal val="#ppt_h"/>
+                                          </p:val>
+                                        </p:tav>
+                                      </p:tavLst>
+                                    </p:anim>
+                                    <p:animEffect transition="in" filter="fade">
+                                      <p:cBhvr>
+                                        <p:cTn id="70" dur="500"/>
+                                        <p:tgtEl>
+                                          <p:spTgt spid="24"/>
+                                        </p:tgtEl>
+                                      </p:cBhvr>
+                                    </p:animEffect>
+                                  </p:childTnLst>
+                                </p:cTn>
+                              </p:par>
+                              <p:par>
+                                <p:cTn id="71" presetID="53" presetClass="entr" presetSubtype="16" fill="hold" grpId="0" nodeType="withEffect">
+                                  <p:stCondLst>
+                                    <p:cond delay="0"/>
+                                  </p:stCondLst>
+                                  <p:childTnLst>
+                                    <p:set>
+                                      <p:cBhvr>
+                                        <p:cTn id="72" dur="1" fill="hold">
+                                          <p:stCondLst>
+                                            <p:cond delay="0"/>
+                                          </p:stCondLst>
+                                        </p:cTn>
+                                        <p:tgtEl>
+                                          <p:spTgt spid="25"/>
+                                        </p:tgtEl>
+                                        <p:attrNameLst>
+                                          <p:attrName>style.visibility</p:attrName>
+                                        </p:attrNameLst>
+                                      </p:cBhvr>
+                                      <p:to>
+                                        <p:strVal val="visible"/>
+                                      </p:to>
+                                    </p:set>
+                                    <p:anim calcmode="lin" valueType="num">
+                                      <p:cBhvr>
+                                        <p:cTn id="73" dur="500" fill="hold"/>
+                                        <p:tgtEl>
+                                          <p:spTgt spid="25"/>
+                                        </p:tgtEl>
+                                        <p:attrNameLst>
+                                          <p:attrName>ppt_w</p:attrName>
+                                        </p:attrNameLst>
+                                      </p:cBhvr>
+                                      <p:tavLst>
+                                        <p:tav tm="0">
+                                          <p:val>
+                                            <p:fltVal val="0"/>
+                                          </p:val>
+                                        </p:tav>
+                                        <p:tav tm="100000">
+                                          <p:val>
+                                            <p:strVal val="#ppt_w"/>
+                                          </p:val>
+                                        </p:tav>
+                                      </p:tavLst>
+                                    </p:anim>
+                                    <p:anim calcmode="lin" valueType="num">
+                                      <p:cBhvr>
+                                        <p:cTn id="74" dur="500" fill="hold"/>
+                                        <p:tgtEl>
+                                          <p:spTgt spid="25"/>
+                                        </p:tgtEl>
+                                        <p:attrNameLst>
+                                          <p:attrName>ppt_h</p:attrName>
+                                        </p:attrNameLst>
+                                      </p:cBhvr>
+                                      <p:tavLst>
+                                        <p:tav tm="0">
+                                          <p:val>
+                                            <p:fltVal val="0"/>
+                                          </p:val>
+                                        </p:tav>
+                                        <p:tav tm="100000">
+                                          <p:val>
+                                            <p:strVal val="#ppt_h"/>
+                                          </p:val>
+                                        </p:tav>
+                                      </p:tavLst>
+                                    </p:anim>
+                                    <p:animEffect transition="in" filter="fade">
+                                      <p:cBhvr>
+                                        <p:cTn id="75" dur="500"/>
+                                        <p:tgtEl>
+                                          <p:spTgt spid="25"/>
+                                        </p:tgtEl>
+                                      </p:cBhvr>
+                                    </p:animEffect>
+                                  </p:childTnLst>
+                                </p:cTn>
+                              </p:par>
+                              <p:par>
+                                <p:cTn id="76" presetID="53" presetClass="entr" presetSubtype="16" fill="hold" grpId="0" nodeType="withEffect">
+                                  <p:stCondLst>
+                                    <p:cond delay="0"/>
+                                  </p:stCondLst>
+                                  <p:childTnLst>
+                                    <p:set>
+                                      <p:cBhvr>
+                                        <p:cTn id="77" dur="1" fill="hold">
+                                          <p:stCondLst>
+                                            <p:cond delay="0"/>
+                                          </p:stCondLst>
+                                        </p:cTn>
+                                        <p:tgtEl>
+                                          <p:spTgt spid="26"/>
+                                        </p:tgtEl>
+                                        <p:attrNameLst>
+                                          <p:attrName>style.visibility</p:attrName>
+                                        </p:attrNameLst>
+                                      </p:cBhvr>
+                                      <p:to>
+                                        <p:strVal val="visible"/>
+                                      </p:to>
+                                    </p:set>
+                                    <p:anim calcmode="lin" valueType="num">
+                                      <p:cBhvr>
+                                        <p:cTn id="78" dur="500" fill="hold"/>
+                                        <p:tgtEl>
+                                          <p:spTgt spid="26"/>
+                                        </p:tgtEl>
+                                        <p:attrNameLst>
+                                          <p:attrName>ppt_w</p:attrName>
+                                        </p:attrNameLst>
+                                      </p:cBhvr>
+                                      <p:tavLst>
+                                        <p:tav tm="0">
+                                          <p:val>
+                                            <p:fltVal val="0"/>
+                                          </p:val>
+                                        </p:tav>
+                                        <p:tav tm="100000">
+                                          <p:val>
+                                            <p:strVal val="#ppt_w"/>
+                                          </p:val>
+                                        </p:tav>
+                                      </p:tavLst>
+                                    </p:anim>
+                                    <p:anim calcmode="lin" valueType="num">
+                                      <p:cBhvr>
+                                        <p:cTn id="79" dur="500" fill="hold"/>
+                                        <p:tgtEl>
+                                          <p:spTgt spid="26"/>
+                                        </p:tgtEl>
+                                        <p:attrNameLst>
+                                          <p:attrName>ppt_h</p:attrName>
+                                        </p:attrNameLst>
+                                      </p:cBhvr>
+                                      <p:tavLst>
+                                        <p:tav tm="0">
+                                          <p:val>
+                                            <p:fltVal val="0"/>
+                                          </p:val>
+                                        </p:tav>
+                                        <p:tav tm="100000">
+                                          <p:val>
+                                            <p:strVal val="#ppt_h"/>
+                                          </p:val>
+                                        </p:tav>
+                                      </p:tavLst>
+                                    </p:anim>
+                                    <p:animEffect transition="in" filter="fade">
+                                      <p:cBhvr>
+                                        <p:cTn id="80" dur="500"/>
+                                        <p:tgtEl>
+                                          <p:spTgt spid="26"/>
+                                        </p:tgtEl>
+                                      </p:cBhvr>
+                                    </p:animEffect>
+                                  </p:childTnLst>
+                                </p:cTn>
+                              </p:par>
+                            </p:childTnLst>
+                          </p:cTn>
+                        </p:par>
+                      </p:childTnLst>
+                    </p:cTn>
+                  </p:par>
+                  <p:par>
+                    <p:cTn id="81" fill="hold">
+                      <p:stCondLst>
+                        <p:cond delay="indefinite"/>
+                      </p:stCondLst>
+                      <p:childTnLst>
+                        <p:par>
+                          <p:cTn id="82" fill="hold">
+                            <p:stCondLst>
+                              <p:cond delay="0"/>
+                            </p:stCondLst>
+                            <p:childTnLst>
+                              <p:par>
+                                <p:cTn id="83" presetID="1" presetClass="entr" presetSubtype="0" fill="hold" nodeType="clickEffect">
+                                  <p:stCondLst>
+                                    <p:cond delay="0"/>
+                                  </p:stCondLst>
+                                  <p:childTnLst>
+                                    <p:set>
+                                      <p:cBhvr>
+                                        <p:cTn id="84" dur="1" fill="hold">
+                                          <p:stCondLst>
+                                            <p:cond delay="0"/>
+                                          </p:stCondLst>
+                                        </p:cTn>
+                                        <p:tgtEl>
+                                          <p:spTgt spid="27"/>
+                                        </p:tgtEl>
+                                        <p:attrNameLst>
+                                          <p:attrName>style.visibility</p:attrName>
+                                        </p:attrNameLst>
+                                      </p:cBhvr>
+                                      <p:to>
+                                        <p:strVal val="visible"/>
+                                      </p:to>
+                                    </p:set>
+                                  </p:childTnLst>
+                                </p:cTn>
+                              </p:par>
+                            </p:childTnLst>
+                          </p:cTn>
+                        </p:par>
+                        <p:par>
+                          <p:cTn id="85" fill="hold">
+                            <p:stCondLst>
+                              <p:cond delay="0"/>
+                            </p:stCondLst>
+                            <p:childTnLst>
+                              <p:par>
+                                <p:cTn id="86" presetID="42" presetClass="entr" presetSubtype="0" fill="hold" grpId="0" nodeType="afterEffect">
+                                  <p:stCondLst>
+                                    <p:cond delay="0"/>
+                                  </p:stCondLst>
+                                  <p:childTnLst>
+                                    <p:set>
+                                      <p:cBhvr>
+                                        <p:cTn id="87" dur="1" fill="hold">
+                                          <p:stCondLst>
+                                            <p:cond delay="0"/>
+                                          </p:stCondLst>
+                                        </p:cTn>
+                                        <p:tgtEl>
+                                          <p:spTgt spid="28"/>
+                                        </p:tgtEl>
+                                        <p:attrNameLst>
+                                          <p:attrName>style.visibility</p:attrName>
+                                        </p:attrNameLst>
+                                      </p:cBhvr>
+                                      <p:to>
+                                        <p:strVal val="visible"/>
+                                      </p:to>
+                                    </p:set>
+                                    <p:animEffect transition="in" filter="fade">
+                                      <p:cBhvr>
+                                        <p:cTn id="88" dur="1000"/>
+                                        <p:tgtEl>
+                                          <p:spTgt spid="28"/>
+                                        </p:tgtEl>
+                                      </p:cBhvr>
+                                    </p:animEffect>
+                                    <p:anim calcmode="lin" valueType="num">
+                                      <p:cBhvr>
+                                        <p:cTn id="89" dur="1000" fill="hold"/>
+                                        <p:tgtEl>
+                                          <p:spTgt spid="28"/>
+                                        </p:tgtEl>
+                                        <p:attrNameLst>
+                                          <p:attrName>ppt_x</p:attrName>
+                                        </p:attrNameLst>
+                                      </p:cBhvr>
+                                      <p:tavLst>
+                                        <p:tav tm="0">
+                                          <p:val>
+                                            <p:strVal val="#ppt_x"/>
+                                          </p:val>
+                                        </p:tav>
+                                        <p:tav tm="100000">
+                                          <p:val>
+                                            <p:strVal val="#ppt_x"/>
+                                          </p:val>
+                                        </p:tav>
+                                      </p:tavLst>
+                                    </p:anim>
+                                    <p:anim calcmode="lin" valueType="num">
+                                      <p:cBhvr>
+                                        <p:cTn id="90" dur="1000" fill="hold"/>
+                                        <p:tgtEl>
+                                          <p:spTgt spid="28"/>
+                                        </p:tgtEl>
+                                        <p:attrNameLst>
+                                          <p:attrName>ppt_y</p:attrName>
+                                        </p:attrNameLst>
+                                      </p:cBhvr>
+                                      <p:tavLst>
+                                        <p:tav tm="0">
+                                          <p:val>
+                                            <p:strVal val="#ppt_y+.1"/>
+                                          </p:val>
+                                        </p:tav>
+                                        <p:tav tm="100000">
+                                          <p:val>
+                                            <p:strVal val="#ppt_y"/>
+                                          </p:val>
+                                        </p:tav>
+                                      </p:tavLst>
+                                    </p:anim>
+                                  </p:childTnLst>
+                                </p:cTn>
+                              </p:par>
+                              <p:par>
+                                <p:cTn id="91" presetID="42" presetClass="entr" presetSubtype="0" fill="hold" grpId="0" nodeType="withEffect">
+                                  <p:stCondLst>
+                                    <p:cond delay="0"/>
+                                  </p:stCondLst>
+                                  <p:childTnLst>
+                                    <p:set>
+                                      <p:cBhvr>
+                                        <p:cTn id="92" dur="1" fill="hold">
+                                          <p:stCondLst>
+                                            <p:cond delay="0"/>
+                                          </p:stCondLst>
+                                        </p:cTn>
+                                        <p:tgtEl>
+                                          <p:spTgt spid="29"/>
+                                        </p:tgtEl>
+                                        <p:attrNameLst>
+                                          <p:attrName>style.visibility</p:attrName>
+                                        </p:attrNameLst>
+                                      </p:cBhvr>
+                                      <p:to>
+                                        <p:strVal val="visible"/>
+                                      </p:to>
+                                    </p:set>
+                                    <p:animEffect transition="in" filter="fade">
+                                      <p:cBhvr>
+                                        <p:cTn id="93" dur="1000"/>
+                                        <p:tgtEl>
+                                          <p:spTgt spid="29"/>
+                                        </p:tgtEl>
+                                      </p:cBhvr>
+                                    </p:animEffect>
+                                    <p:anim calcmode="lin" valueType="num">
+                                      <p:cBhvr>
+                                        <p:cTn id="94" dur="1000" fill="hold"/>
+                                        <p:tgtEl>
+                                          <p:spTgt spid="29"/>
+                                        </p:tgtEl>
+                                        <p:attrNameLst>
+                                          <p:attrName>ppt_x</p:attrName>
+                                        </p:attrNameLst>
+                                      </p:cBhvr>
+                                      <p:tavLst>
+                                        <p:tav tm="0">
+                                          <p:val>
+                                            <p:strVal val="#ppt_x"/>
+                                          </p:val>
+                                        </p:tav>
+                                        <p:tav tm="100000">
+                                          <p:val>
+                                            <p:strVal val="#ppt_x"/>
+                                          </p:val>
+                                        </p:tav>
+                                      </p:tavLst>
+                                    </p:anim>
+                                    <p:anim calcmode="lin" valueType="num">
+                                      <p:cBhvr>
+                                        <p:cTn id="95" dur="1000" fill="hold"/>
+                                        <p:tgtEl>
+                                          <p:spTgt spid="29"/>
+                                        </p:tgtEl>
+                                        <p:attrNameLst>
+                                          <p:attrName>ppt_y</p:attrName>
+                                        </p:attrNameLst>
+                                      </p:cBhvr>
+                                      <p:tavLst>
+                                        <p:tav tm="0">
+                                          <p:val>
+                                            <p:strVal val="#ppt_y+.1"/>
+                                          </p:val>
+                                        </p:tav>
+                                        <p:tav tm="100000">
+                                          <p:val>
+                                            <p:strVal val="#ppt_y"/>
+                                          </p:val>
+                                        </p:tav>
+                                      </p:tavLst>
+                                    </p:anim>
+                                  </p:childTnLst>
+                                </p:cTn>
+                              </p:par>
+                              <p:par>
+                                <p:cTn id="96" presetID="42" presetClass="entr" presetSubtype="0" fill="hold" grpId="0" nodeType="withEffect">
+                                  <p:stCondLst>
+                                    <p:cond delay="0"/>
+                                  </p:stCondLst>
+                                  <p:childTnLst>
+                                    <p:set>
+                                      <p:cBhvr>
+                                        <p:cTn id="97" dur="1" fill="hold">
+                                          <p:stCondLst>
+                                            <p:cond delay="0"/>
+                                          </p:stCondLst>
+                                        </p:cTn>
+                                        <p:tgtEl>
+                                          <p:spTgt spid="30"/>
+                                        </p:tgtEl>
+                                        <p:attrNameLst>
+                                          <p:attrName>style.visibility</p:attrName>
+                                        </p:attrNameLst>
+                                      </p:cBhvr>
+                                      <p:to>
+                                        <p:strVal val="visible"/>
+                                      </p:to>
+                                    </p:set>
+                                    <p:animEffect transition="in" filter="fade">
+                                      <p:cBhvr>
+                                        <p:cTn id="98" dur="1000"/>
+                                        <p:tgtEl>
+                                          <p:spTgt spid="30"/>
+                                        </p:tgtEl>
+                                      </p:cBhvr>
+                                    </p:animEffect>
+                                    <p:anim calcmode="lin" valueType="num">
+                                      <p:cBhvr>
+                                        <p:cTn id="99" dur="1000" fill="hold"/>
+                                        <p:tgtEl>
+                                          <p:spTgt spid="30"/>
+                                        </p:tgtEl>
+                                        <p:attrNameLst>
+                                          <p:attrName>ppt_x</p:attrName>
+                                        </p:attrNameLst>
+                                      </p:cBhvr>
+                                      <p:tavLst>
+                                        <p:tav tm="0">
+                                          <p:val>
+                                            <p:strVal val="#ppt_x"/>
+                                          </p:val>
+                                        </p:tav>
+                                        <p:tav tm="100000">
+                                          <p:val>
+                                            <p:strVal val="#ppt_x"/>
+                                          </p:val>
+                                        </p:tav>
+                                      </p:tavLst>
+                                    </p:anim>
+                                    <p:anim calcmode="lin" valueType="num">
+                                      <p:cBhvr>
+                                        <p:cTn id="100" dur="1000" fill="hold"/>
+                                        <p:tgtEl>
+                                          <p:spTgt spid="30"/>
+                                        </p:tgtEl>
+                                        <p:attrNameLst>
+                                          <p:attrName>ppt_y</p:attrName>
+                                        </p:attrNameLst>
+                                      </p:cBhvr>
+                                      <p:tavLst>
+                                        <p:tav tm="0">
+                                          <p:val>
+                                            <p:strVal val="#ppt_y+.1"/>
+                                          </p:val>
+                                        </p:tav>
+                                        <p:tav tm="100000">
+                                          <p:val>
+                                            <p:strVal val="#ppt_y"/>
+                                          </p:val>
+                                        </p:tav>
+                                      </p:tavLst>
+                                    </p:anim>
+                                  </p:childTnLst>
+                                </p:cTn>
+                              </p:par>
+                              <p:par>
+                                <p:cTn id="101" presetID="42" presetClass="entr" presetSubtype="0" fill="hold" grpId="0" nodeType="withEffect">
+                                  <p:stCondLst>
+                                    <p:cond delay="0"/>
+                                  </p:stCondLst>
+                                  <p:childTnLst>
+                                    <p:set>
+                                      <p:cBhvr>
+                                        <p:cTn id="102" dur="1" fill="hold">
+                                          <p:stCondLst>
+                                            <p:cond delay="0"/>
+                                          </p:stCondLst>
+                                        </p:cTn>
+                                        <p:tgtEl>
+                                          <p:spTgt spid="31"/>
+                                        </p:tgtEl>
+                                        <p:attrNameLst>
+                                          <p:attrName>style.visibility</p:attrName>
+                                        </p:attrNameLst>
+                                      </p:cBhvr>
+                                      <p:to>
+                                        <p:strVal val="visible"/>
+                                      </p:to>
+                                    </p:set>
+                                    <p:animEffect transition="in" filter="fade">
+                                      <p:cBhvr>
+                                        <p:cTn id="103" dur="1000"/>
+                                        <p:tgtEl>
+                                          <p:spTgt spid="31"/>
+                                        </p:tgtEl>
+                                      </p:cBhvr>
+                                    </p:animEffect>
+                                    <p:anim calcmode="lin" valueType="num">
+                                      <p:cBhvr>
+                                        <p:cTn id="104" dur="1000" fill="hold"/>
+                                        <p:tgtEl>
+                                          <p:spTgt spid="31"/>
+                                        </p:tgtEl>
+                                        <p:attrNameLst>
+                                          <p:attrName>ppt_x</p:attrName>
+                                        </p:attrNameLst>
+                                      </p:cBhvr>
+                                      <p:tavLst>
+                                        <p:tav tm="0">
+                                          <p:val>
+                                            <p:strVal val="#ppt_x"/>
+                                          </p:val>
+                                        </p:tav>
+                                        <p:tav tm="100000">
+                                          <p:val>
+                                            <p:strVal val="#ppt_x"/>
+                                          </p:val>
+                                        </p:tav>
+                                      </p:tavLst>
+                                    </p:anim>
+                                    <p:anim calcmode="lin" valueType="num">
+                                      <p:cBhvr>
+                                        <p:cTn id="105" dur="1000" fill="hold"/>
+                                        <p:tgtEl>
+                                          <p:spTgt spid="31"/>
+                                        </p:tgtEl>
+                                        <p:attrNameLst>
+                                          <p:attrName>ppt_y</p:attrName>
+                                        </p:attrNameLst>
+                                      </p:cBhvr>
+                                      <p:tavLst>
+                                        <p:tav tm="0">
+                                          <p:val>
+                                            <p:strVal val="#ppt_y+.1"/>
+                                          </p:val>
+                                        </p:tav>
+                                        <p:tav tm="100000">
+                                          <p:val>
+                                            <p:strVal val="#ppt_y"/>
+                                          </p:val>
+                                        </p:tav>
+                                      </p:tavLst>
+                                    </p:anim>
+                                  </p:childTnLst>
+                                </p:cTn>
+                              </p:par>
+                              <p:par>
+                                <p:cTn id="106" presetID="42" presetClass="entr" presetSubtype="0" fill="hold" grpId="0" nodeType="withEffect">
+                                  <p:stCondLst>
+                                    <p:cond delay="0"/>
+                                  </p:stCondLst>
+                                  <p:childTnLst>
+                                    <p:set>
+                                      <p:cBhvr>
+                                        <p:cTn id="107" dur="1" fill="hold">
+                                          <p:stCondLst>
+                                            <p:cond delay="0"/>
+                                          </p:stCondLst>
+                                        </p:cTn>
+                                        <p:tgtEl>
+                                          <p:spTgt spid="32"/>
+                                        </p:tgtEl>
+                                        <p:attrNameLst>
+                                          <p:attrName>style.visibility</p:attrName>
+                                        </p:attrNameLst>
+                                      </p:cBhvr>
+                                      <p:to>
+                                        <p:strVal val="visible"/>
+                                      </p:to>
+                                    </p:set>
+                                    <p:animEffect transition="in" filter="fade">
+                                      <p:cBhvr>
+                                        <p:cTn id="108" dur="1000"/>
+                                        <p:tgtEl>
+                                          <p:spTgt spid="32"/>
+                                        </p:tgtEl>
+                                      </p:cBhvr>
+                                    </p:animEffect>
+                                    <p:anim calcmode="lin" valueType="num">
+                                      <p:cBhvr>
+                                        <p:cTn id="109" dur="1000" fill="hold"/>
+                                        <p:tgtEl>
+                                          <p:spTgt spid="32"/>
+                                        </p:tgtEl>
+                                        <p:attrNameLst>
+                                          <p:attrName>ppt_x</p:attrName>
+                                        </p:attrNameLst>
+                                      </p:cBhvr>
+                                      <p:tavLst>
+                                        <p:tav tm="0">
+                                          <p:val>
+                                            <p:strVal val="#ppt_x"/>
+                                          </p:val>
+                                        </p:tav>
+                                        <p:tav tm="100000">
+                                          <p:val>
+                                            <p:strVal val="#ppt_x"/>
+                                          </p:val>
+                                        </p:tav>
+                                      </p:tavLst>
+                                    </p:anim>
+                                    <p:anim calcmode="lin" valueType="num">
+                                      <p:cBhvr>
+                                        <p:cTn id="110" dur="1000" fill="hold"/>
+                                        <p:tgtEl>
+                                          <p:spTgt spid="32"/>
+                                        </p:tgtEl>
+                                        <p:attrNameLst>
+                                          <p:attrName>ppt_y</p:attrName>
+                                        </p:attrNameLst>
+                                      </p:cBhvr>
+                                      <p:tavLst>
+                                        <p:tav tm="0">
+                                          <p:val>
+                                            <p:strVal val="#ppt_y+.1"/>
+                                          </p:val>
+                                        </p:tav>
+                                        <p:tav tm="100000">
+                                          <p:val>
+                                            <p:strVal val="#ppt_y"/>
+                                          </p:val>
+                                        </p:tav>
+                                      </p:tavLst>
+                                    </p:anim>
+                                  </p:childTnLst>
+                                </p:cTn>
+                              </p:par>
+                            </p:childTnLst>
+                          </p:cTn>
+                        </p:par>
+                      </p:childTnLst>
+                    </p:cTn>
+                  </p:par>
+                </p:childTnLst>
+              </p:cTn>
+              <p:prevCondLst>
+                <p:cond evt="onPrev" delay="0">
+                  <p:tgtEl>
+                    <p:sldTgt/>
+                  </p:tgtEl>
+                </p:cond>
+              </p:prevCondLst>
+              <p:nextCondLst>
+                <p:cond evt="onNext" delay="0">
+                  <p:tgtEl>
+                    <p:sldTgt/>
+                  </p:tgtEl>
+                </p:cond>
+              </p:nextCondLst>
+            </p:seq>
+          </p:childTnLst>
+        </p:cTn>
+      </p:par>
+    </p:tnLst>
+    <p:bldLst>
+      <p:bldP spid="4" grpId="0" animBg="1"/>
+      <p:bldP spid="5" grpId="0"/>
+      <p:bldP spid="6" grpId="0" animBg="1"/>
+      <p:bldP spid="7" grpId="0"/>
+      <p:bldP spid="8" grpId="0" animBg="1"/>
+      <p:bldP spid="9" grpId="0"/>
+      <p:bldP spid="10" grpId="0" animBg="1"/>
+      <p:bldP spid="11" grpId="0"/>
+      <p:bldP spid="12" grpId="0" animBg="1"/>
+      <p:bldP spid="13" grpId="0" animBg="1"/>
+      <p:bldP spid="14" grpId="0"/>
+      <p:bldP spid="15" grpId="0"/>
+      <p:bldP spid="17" grpId="0" animBg="1"/>
+      <p:bldP spid="18" grpId="0" animBg="1"/>
+      <p:bldP spid="19" grpId="0" animBg="1"/>
+      <p:bldP spid="20" grpId="0" animBg="1"/>
+      <p:bldP spid="21" grpId="0" animBg="1"/>
+      <p:bldP spid="24" grpId="0" animBg="1"/>
+      <p:bldP spid="25" grpId="0" animBg="1"/>
+      <p:bldP spid="26" grpId="0" animBg="1"/>
+      <p:bldP spid="28" grpId="0" animBg="1"/>
+      <p:bldP spid="29" grpId="0" animBg="1"/>
+      <p:bldP spid="30" grpId="0" animBg="1"/>
+      <p:bldP spid="31" grpId="0" animBg="1"/>
+      <p:bldP spid="32" grpId="0" animBg="1"/>
+    </p:bldLst>
+  </p:timing>
 </p:sld>
 </file>
 
@@ -4898,6 +6500,210 @@
   <p:clrMapOvr>
     <a:masterClrMapping/>
   </p:clrMapOvr>
+  <p:timing>
+    <p:tnLst>
+      <p:par>
+        <p:cTn id="1" dur="indefinite" restart="never" nodeType="tmRoot">
+          <p:childTnLst>
+            <p:seq concurrent="1" nextAc="seek">
+              <p:cTn id="2" dur="indefinite" nodeType="mainSeq">
+                <p:childTnLst>
+                  <p:par>
+                    <p:cTn id="3" fill="hold">
+                      <p:stCondLst>
+                        <p:cond delay="indefinite"/>
+                      </p:stCondLst>
+                      <p:childTnLst>
+                        <p:par>
+                          <p:cTn id="4" fill="hold">
+                            <p:stCondLst>
+                              <p:cond delay="0"/>
+                            </p:stCondLst>
+                            <p:childTnLst>
+                              <p:par>
+                                <p:cTn id="5" presetID="1" presetClass="entr" presetSubtype="0" fill="hold" nodeType="clickEffect">
+                                  <p:stCondLst>
+                                    <p:cond delay="0"/>
+                                  </p:stCondLst>
+                                  <p:childTnLst>
+                                    <p:set>
+                                      <p:cBhvr>
+                                        <p:cTn id="6" dur="1" fill="hold">
+                                          <p:stCondLst>
+                                            <p:cond delay="0"/>
+                                          </p:stCondLst>
+                                        </p:cTn>
+                                        <p:tgtEl>
+                                          <p:spTgt spid="37"/>
+                                        </p:tgtEl>
+                                        <p:attrNameLst>
+                                          <p:attrName>style.visibility</p:attrName>
+                                        </p:attrNameLst>
+                                      </p:cBhvr>
+                                      <p:to>
+                                        <p:strVal val="visible"/>
+                                      </p:to>
+                                    </p:set>
+                                  </p:childTnLst>
+                                </p:cTn>
+                              </p:par>
+                            </p:childTnLst>
+                          </p:cTn>
+                        </p:par>
+                        <p:par>
+                          <p:cTn id="7" fill="hold">
+                            <p:stCondLst>
+                              <p:cond delay="0"/>
+                            </p:stCondLst>
+                            <p:childTnLst>
+                              <p:par>
+                                <p:cTn id="8" presetID="1" presetClass="entr" presetSubtype="0" fill="hold" nodeType="afterEffect">
+                                  <p:stCondLst>
+                                    <p:cond delay="0"/>
+                                  </p:stCondLst>
+                                  <p:childTnLst>
+                                    <p:set>
+                                      <p:cBhvr>
+                                        <p:cTn id="9" dur="1" fill="hold">
+                                          <p:stCondLst>
+                                            <p:cond delay="0"/>
+                                          </p:stCondLst>
+                                        </p:cTn>
+                                        <p:tgtEl>
+                                          <p:spTgt spid="1026"/>
+                                        </p:tgtEl>
+                                        <p:attrNameLst>
+                                          <p:attrName>style.visibility</p:attrName>
+                                        </p:attrNameLst>
+                                      </p:cBhvr>
+                                      <p:to>
+                                        <p:strVal val="visible"/>
+                                      </p:to>
+                                    </p:set>
+                                  </p:childTnLst>
+                                </p:cTn>
+                              </p:par>
+                            </p:childTnLst>
+                          </p:cTn>
+                        </p:par>
+                      </p:childTnLst>
+                    </p:cTn>
+                  </p:par>
+                  <p:par>
+                    <p:cTn id="10" fill="hold">
+                      <p:stCondLst>
+                        <p:cond delay="indefinite"/>
+                      </p:stCondLst>
+                      <p:childTnLst>
+                        <p:par>
+                          <p:cTn id="11" fill="hold">
+                            <p:stCondLst>
+                              <p:cond delay="0"/>
+                            </p:stCondLst>
+                            <p:childTnLst>
+                              <p:par>
+                                <p:cTn id="12" presetID="1" presetClass="entr" presetSubtype="0" fill="hold" grpId="0" nodeType="clickEffect">
+                                  <p:stCondLst>
+                                    <p:cond delay="0"/>
+                                  </p:stCondLst>
+                                  <p:childTnLst>
+                                    <p:set>
+                                      <p:cBhvr>
+                                        <p:cTn id="13" dur="1" fill="hold">
+                                          <p:stCondLst>
+                                            <p:cond delay="0"/>
+                                          </p:stCondLst>
+                                        </p:cTn>
+                                        <p:tgtEl>
+                                          <p:spTgt spid="40"/>
+                                        </p:tgtEl>
+                                        <p:attrNameLst>
+                                          <p:attrName>style.visibility</p:attrName>
+                                        </p:attrNameLst>
+                                      </p:cBhvr>
+                                      <p:to>
+                                        <p:strVal val="visible"/>
+                                      </p:to>
+                                    </p:set>
+                                  </p:childTnLst>
+                                </p:cTn>
+                              </p:par>
+                            </p:childTnLst>
+                          </p:cTn>
+                        </p:par>
+                      </p:childTnLst>
+                    </p:cTn>
+                  </p:par>
+                  <p:par>
+                    <p:cTn id="14" fill="hold">
+                      <p:stCondLst>
+                        <p:cond delay="indefinite"/>
+                      </p:stCondLst>
+                      <p:childTnLst>
+                        <p:par>
+                          <p:cTn id="15" fill="hold">
+                            <p:stCondLst>
+                              <p:cond delay="0"/>
+                            </p:stCondLst>
+                            <p:childTnLst>
+                              <p:par>
+                                <p:cTn id="16" presetID="1" presetClass="entr" presetSubtype="0" fill="hold" nodeType="clickEffect">
+                                  <p:stCondLst>
+                                    <p:cond delay="0"/>
+                                  </p:stCondLst>
+                                  <p:childTnLst>
+                                    <p:set>
+                                      <p:cBhvr>
+                                        <p:cTn id="17" dur="1" fill="hold">
+                                          <p:stCondLst>
+                                            <p:cond delay="0"/>
+                                          </p:stCondLst>
+                                        </p:cTn>
+                                        <p:tgtEl>
+                                          <p:spTgt spid="39"/>
+                                        </p:tgtEl>
+                                        <p:attrNameLst>
+                                          <p:attrName>style.visibility</p:attrName>
+                                        </p:attrNameLst>
+                                      </p:cBhvr>
+                                      <p:to>
+                                        <p:strVal val="visible"/>
+                                      </p:to>
+                                    </p:set>
+                                  </p:childTnLst>
+                                </p:cTn>
+                              </p:par>
+                            </p:childTnLst>
+                          </p:cTn>
+                        </p:par>
+                      </p:childTnLst>
+                    </p:cTn>
+                  </p:par>
+                </p:childTnLst>
+              </p:cTn>
+              <p:prevCondLst>
+                <p:cond evt="onPrev" delay="0">
+                  <p:tgtEl>
+                    <p:sldTgt/>
+                  </p:tgtEl>
+                </p:cond>
+              </p:prevCondLst>
+              <p:nextCondLst>
+                <p:cond evt="onNext" delay="0">
+                  <p:tgtEl>
+                    <p:sldTgt/>
+                  </p:tgtEl>
+                </p:cond>
+              </p:nextCondLst>
+            </p:seq>
+          </p:childTnLst>
+        </p:cTn>
+      </p:par>
+    </p:tnLst>
+    <p:bldLst>
+      <p:bldP spid="40" grpId="0" animBg="1"/>
+    </p:bldLst>
+  </p:timing>
 </p:sld>
 </file>
 
@@ -5054,6 +6860,228 @@
   <p:clrMapOvr>
     <a:masterClrMapping/>
   </p:clrMapOvr>
+  <p:timing>
+    <p:tnLst>
+      <p:par>
+        <p:cTn id="1" dur="indefinite" restart="never" nodeType="tmRoot">
+          <p:childTnLst>
+            <p:seq concurrent="1" nextAc="seek">
+              <p:cTn id="2" dur="indefinite" nodeType="mainSeq">
+                <p:childTnLst>
+                  <p:par>
+                    <p:cTn id="3" fill="hold">
+                      <p:stCondLst>
+                        <p:cond delay="indefinite"/>
+                      </p:stCondLst>
+                      <p:childTnLst>
+                        <p:par>
+                          <p:cTn id="4" fill="hold">
+                            <p:stCondLst>
+                              <p:cond delay="0"/>
+                            </p:stCondLst>
+                            <p:childTnLst>
+                              <p:par>
+                                <p:cTn id="5" presetID="2" presetClass="entr" presetSubtype="4" fill="hold" nodeType="clickEffect">
+                                  <p:stCondLst>
+                                    <p:cond delay="0"/>
+                                  </p:stCondLst>
+                                  <p:childTnLst>
+                                    <p:set>
+                                      <p:cBhvr>
+                                        <p:cTn id="6" dur="1" fill="hold">
+                                          <p:stCondLst>
+                                            <p:cond delay="0"/>
+                                          </p:stCondLst>
+                                        </p:cTn>
+                                        <p:tgtEl>
+                                          <p:spTgt spid="2050"/>
+                                        </p:tgtEl>
+                                        <p:attrNameLst>
+                                          <p:attrName>style.visibility</p:attrName>
+                                        </p:attrNameLst>
+                                      </p:cBhvr>
+                                      <p:to>
+                                        <p:strVal val="visible"/>
+                                      </p:to>
+                                    </p:set>
+                                    <p:anim calcmode="lin" valueType="num">
+                                      <p:cBhvr additive="base">
+                                        <p:cTn id="7" dur="500" fill="hold"/>
+                                        <p:tgtEl>
+                                          <p:spTgt spid="2050"/>
+                                        </p:tgtEl>
+                                        <p:attrNameLst>
+                                          <p:attrName>ppt_x</p:attrName>
+                                        </p:attrNameLst>
+                                      </p:cBhvr>
+                                      <p:tavLst>
+                                        <p:tav tm="0">
+                                          <p:val>
+                                            <p:strVal val="#ppt_x"/>
+                                          </p:val>
+                                        </p:tav>
+                                        <p:tav tm="100000">
+                                          <p:val>
+                                            <p:strVal val="#ppt_x"/>
+                                          </p:val>
+                                        </p:tav>
+                                      </p:tavLst>
+                                    </p:anim>
+                                    <p:anim calcmode="lin" valueType="num">
+                                      <p:cBhvr additive="base">
+                                        <p:cTn id="8" dur="500" fill="hold"/>
+                                        <p:tgtEl>
+                                          <p:spTgt spid="2050"/>
+                                        </p:tgtEl>
+                                        <p:attrNameLst>
+                                          <p:attrName>ppt_y</p:attrName>
+                                        </p:attrNameLst>
+                                      </p:cBhvr>
+                                      <p:tavLst>
+                                        <p:tav tm="0">
+                                          <p:val>
+                                            <p:strVal val="1+#ppt_h/2"/>
+                                          </p:val>
+                                        </p:tav>
+                                        <p:tav tm="100000">
+                                          <p:val>
+                                            <p:strVal val="#ppt_y"/>
+                                          </p:val>
+                                        </p:tav>
+                                      </p:tavLst>
+                                    </p:anim>
+                                  </p:childTnLst>
+                                </p:cTn>
+                              </p:par>
+                            </p:childTnLst>
+                          </p:cTn>
+                        </p:par>
+                      </p:childTnLst>
+                    </p:cTn>
+                  </p:par>
+                  <p:par>
+                    <p:cTn id="9" fill="hold">
+                      <p:stCondLst>
+                        <p:cond delay="indefinite"/>
+                      </p:stCondLst>
+                      <p:childTnLst>
+                        <p:par>
+                          <p:cTn id="10" fill="hold">
+                            <p:stCondLst>
+                              <p:cond delay="0"/>
+                            </p:stCondLst>
+                            <p:childTnLst>
+                              <p:par>
+                                <p:cTn id="11" presetID="1" presetClass="entr" presetSubtype="0" fill="hold" grpId="0" nodeType="clickEffect">
+                                  <p:stCondLst>
+                                    <p:cond delay="0"/>
+                                  </p:stCondLst>
+                                  <p:childTnLst>
+                                    <p:set>
+                                      <p:cBhvr>
+                                        <p:cTn id="12" dur="1" fill="hold">
+                                          <p:stCondLst>
+                                            <p:cond delay="0"/>
+                                          </p:stCondLst>
+                                        </p:cTn>
+                                        <p:tgtEl>
+                                          <p:spTgt spid="8"/>
+                                        </p:tgtEl>
+                                        <p:attrNameLst>
+                                          <p:attrName>style.visibility</p:attrName>
+                                        </p:attrNameLst>
+                                      </p:cBhvr>
+                                      <p:to>
+                                        <p:strVal val="visible"/>
+                                      </p:to>
+                                    </p:set>
+                                  </p:childTnLst>
+                                </p:cTn>
+                              </p:par>
+                            </p:childTnLst>
+                          </p:cTn>
+                        </p:par>
+                      </p:childTnLst>
+                    </p:cTn>
+                  </p:par>
+                  <p:par>
+                    <p:cTn id="13" fill="hold">
+                      <p:stCondLst>
+                        <p:cond delay="indefinite"/>
+                      </p:stCondLst>
+                      <p:childTnLst>
+                        <p:par>
+                          <p:cTn id="14" fill="hold">
+                            <p:stCondLst>
+                              <p:cond delay="0"/>
+                            </p:stCondLst>
+                            <p:childTnLst>
+                              <p:par>
+                                <p:cTn id="15" presetID="22" presetClass="entr" presetSubtype="4" fill="hold" nodeType="clickEffect">
+                                  <p:stCondLst>
+                                    <p:cond delay="0"/>
+                                  </p:stCondLst>
+                                  <p:childTnLst>
+                                    <p:set>
+                                      <p:cBhvr>
+                                        <p:cTn id="16" dur="1" fill="hold">
+                                          <p:stCondLst>
+                                            <p:cond delay="0"/>
+                                          </p:stCondLst>
+                                        </p:cTn>
+                                        <p:tgtEl>
+                                          <p:spTgt spid="7"/>
+                                        </p:tgtEl>
+                                        <p:attrNameLst>
+                                          <p:attrName>style.visibility</p:attrName>
+                                        </p:attrNameLst>
+                                      </p:cBhvr>
+                                      <p:to>
+                                        <p:strVal val="visible"/>
+                                      </p:to>
+                                    </p:set>
+                                    <p:animEffect transition="in" filter="wipe(down)">
+                                      <p:cBhvr>
+                                        <p:cTn id="17" dur="500"/>
+                                        <p:tgtEl>
+                                          <p:spTgt spid="7"/>
+                                        </p:tgtEl>
+                                      </p:cBhvr>
+                                    </p:animEffect>
+                                  </p:childTnLst>
+                                </p:cTn>
+                              </p:par>
+                            </p:childTnLst>
+                          </p:cTn>
+                        </p:par>
+                      </p:childTnLst>
+                    </p:cTn>
+                  </p:par>
+                </p:childTnLst>
+              </p:cTn>
+              <p:prevCondLst>
+                <p:cond evt="onPrev" delay="0">
+                  <p:tgtEl>
+                    <p:sldTgt/>
+                  </p:tgtEl>
+                </p:cond>
+              </p:prevCondLst>
+              <p:nextCondLst>
+                <p:cond evt="onNext" delay="0">
+                  <p:tgtEl>
+                    <p:sldTgt/>
+                  </p:tgtEl>
+                </p:cond>
+              </p:nextCondLst>
+            </p:seq>
+          </p:childTnLst>
+        </p:cTn>
+      </p:par>
+    </p:tnLst>
+    <p:bldLst>
+      <p:bldP spid="8" grpId="0" animBg="1"/>
+    </p:bldLst>
+  </p:timing>
 </p:sld>
 </file>
 

--- a/presentation/projet_annuel.pptx
+++ b/presentation/projet_annuel.pptx
@@ -106,6 +106,11 @@
       </a:defRPr>
     </a:lvl9pPr>
   </p:defaultTextStyle>
+  <p:extLst>
+    <p:ext uri="{EFAFB233-063F-42B5-8137-9DF3F51BA10A}">
+      <p15:sldGuideLst xmlns:p15="http://schemas.microsoft.com/office/powerpoint/2012/main"/>
+    </p:ext>
+  </p:extLst>
 </p:presentation>
 </file>
 
@@ -264,7 +269,7 @@
           <a:p>
             <a:fld id="{E95CC46A-894C-4D46-B563-32FB9DA6A884}" type="datetimeFigureOut">
               <a:rPr lang="fr-FR" smtClean="0"/>
-              <a:t>10/07/2023</a:t>
+              <a:t>12/07/2023</a:t>
             </a:fld>
             <a:endParaRPr lang="fr-FR"/>
           </a:p>
@@ -462,7 +467,7 @@
           <a:p>
             <a:fld id="{E95CC46A-894C-4D46-B563-32FB9DA6A884}" type="datetimeFigureOut">
               <a:rPr lang="fr-FR" smtClean="0"/>
-              <a:t>10/07/2023</a:t>
+              <a:t>12/07/2023</a:t>
             </a:fld>
             <a:endParaRPr lang="fr-FR"/>
           </a:p>
@@ -670,7 +675,7 @@
           <a:p>
             <a:fld id="{E95CC46A-894C-4D46-B563-32FB9DA6A884}" type="datetimeFigureOut">
               <a:rPr lang="fr-FR" smtClean="0"/>
-              <a:t>10/07/2023</a:t>
+              <a:t>12/07/2023</a:t>
             </a:fld>
             <a:endParaRPr lang="fr-FR"/>
           </a:p>
@@ -868,7 +873,7 @@
           <a:p>
             <a:fld id="{E95CC46A-894C-4D46-B563-32FB9DA6A884}" type="datetimeFigureOut">
               <a:rPr lang="fr-FR" smtClean="0"/>
-              <a:t>10/07/2023</a:t>
+              <a:t>12/07/2023</a:t>
             </a:fld>
             <a:endParaRPr lang="fr-FR"/>
           </a:p>
@@ -1143,7 +1148,7 @@
           <a:p>
             <a:fld id="{E95CC46A-894C-4D46-B563-32FB9DA6A884}" type="datetimeFigureOut">
               <a:rPr lang="fr-FR" smtClean="0"/>
-              <a:t>10/07/2023</a:t>
+              <a:t>12/07/2023</a:t>
             </a:fld>
             <a:endParaRPr lang="fr-FR"/>
           </a:p>
@@ -1408,7 +1413,7 @@
           <a:p>
             <a:fld id="{E95CC46A-894C-4D46-B563-32FB9DA6A884}" type="datetimeFigureOut">
               <a:rPr lang="fr-FR" smtClean="0"/>
-              <a:t>10/07/2023</a:t>
+              <a:t>12/07/2023</a:t>
             </a:fld>
             <a:endParaRPr lang="fr-FR"/>
           </a:p>
@@ -1820,7 +1825,7 @@
           <a:p>
             <a:fld id="{E95CC46A-894C-4D46-B563-32FB9DA6A884}" type="datetimeFigureOut">
               <a:rPr lang="fr-FR" smtClean="0"/>
-              <a:t>10/07/2023</a:t>
+              <a:t>12/07/2023</a:t>
             </a:fld>
             <a:endParaRPr lang="fr-FR"/>
           </a:p>
@@ -1961,7 +1966,7 @@
           <a:p>
             <a:fld id="{E95CC46A-894C-4D46-B563-32FB9DA6A884}" type="datetimeFigureOut">
               <a:rPr lang="fr-FR" smtClean="0"/>
-              <a:t>10/07/2023</a:t>
+              <a:t>12/07/2023</a:t>
             </a:fld>
             <a:endParaRPr lang="fr-FR"/>
           </a:p>
@@ -2074,7 +2079,7 @@
           <a:p>
             <a:fld id="{E95CC46A-894C-4D46-B563-32FB9DA6A884}" type="datetimeFigureOut">
               <a:rPr lang="fr-FR" smtClean="0"/>
-              <a:t>10/07/2023</a:t>
+              <a:t>12/07/2023</a:t>
             </a:fld>
             <a:endParaRPr lang="fr-FR"/>
           </a:p>
@@ -2385,7 +2390,7 @@
           <a:p>
             <a:fld id="{E95CC46A-894C-4D46-B563-32FB9DA6A884}" type="datetimeFigureOut">
               <a:rPr lang="fr-FR" smtClean="0"/>
-              <a:t>10/07/2023</a:t>
+              <a:t>12/07/2023</a:t>
             </a:fld>
             <a:endParaRPr lang="fr-FR"/>
           </a:p>
@@ -2673,7 +2678,7 @@
           <a:p>
             <a:fld id="{E95CC46A-894C-4D46-B563-32FB9DA6A884}" type="datetimeFigureOut">
               <a:rPr lang="fr-FR" smtClean="0"/>
-              <a:t>10/07/2023</a:t>
+              <a:t>12/07/2023</a:t>
             </a:fld>
             <a:endParaRPr lang="fr-FR"/>
           </a:p>
@@ -2914,7 +2919,7 @@
           <a:p>
             <a:fld id="{E95CC46A-894C-4D46-B563-32FB9DA6A884}" type="datetimeFigureOut">
               <a:rPr lang="fr-FR" smtClean="0"/>
-              <a:t>10/07/2023</a:t>
+              <a:t>12/07/2023</a:t>
             </a:fld>
             <a:endParaRPr lang="fr-FR"/>
           </a:p>
@@ -4648,6 +4653,1284 @@
   <p:clrMapOvr>
     <a:masterClrMapping/>
   </p:clrMapOvr>
+  <p:timing>
+    <p:tnLst>
+      <p:par>
+        <p:cTn id="1" dur="indefinite" restart="never" nodeType="tmRoot">
+          <p:childTnLst>
+            <p:seq concurrent="1" nextAc="seek">
+              <p:cTn id="2" dur="indefinite" nodeType="mainSeq">
+                <p:childTnLst>
+                  <p:par>
+                    <p:cTn id="3" fill="hold">
+                      <p:stCondLst>
+                        <p:cond delay="indefinite"/>
+                      </p:stCondLst>
+                      <p:childTnLst>
+                        <p:par>
+                          <p:cTn id="4" fill="hold">
+                            <p:stCondLst>
+                              <p:cond delay="0"/>
+                            </p:stCondLst>
+                            <p:childTnLst>
+                              <p:par>
+                                <p:cTn id="5" presetID="1" presetClass="entr" presetSubtype="0" fill="hold" grpId="0" nodeType="clickEffect">
+                                  <p:stCondLst>
+                                    <p:cond delay="0"/>
+                                  </p:stCondLst>
+                                  <p:childTnLst>
+                                    <p:set>
+                                      <p:cBhvr>
+                                        <p:cTn id="6" dur="1" fill="hold">
+                                          <p:stCondLst>
+                                            <p:cond delay="0"/>
+                                          </p:stCondLst>
+                                        </p:cTn>
+                                        <p:tgtEl>
+                                          <p:spTgt spid="4"/>
+                                        </p:tgtEl>
+                                        <p:attrNameLst>
+                                          <p:attrName>style.visibility</p:attrName>
+                                        </p:attrNameLst>
+                                      </p:cBhvr>
+                                      <p:to>
+                                        <p:strVal val="visible"/>
+                                      </p:to>
+                                    </p:set>
+                                  </p:childTnLst>
+                                </p:cTn>
+                              </p:par>
+                              <p:par>
+                                <p:cTn id="7" presetID="1" presetClass="entr" presetSubtype="0" fill="hold" grpId="0" nodeType="withEffect">
+                                  <p:stCondLst>
+                                    <p:cond delay="0"/>
+                                  </p:stCondLst>
+                                  <p:childTnLst>
+                                    <p:set>
+                                      <p:cBhvr>
+                                        <p:cTn id="8" dur="1" fill="hold">
+                                          <p:stCondLst>
+                                            <p:cond delay="0"/>
+                                          </p:stCondLst>
+                                        </p:cTn>
+                                        <p:tgtEl>
+                                          <p:spTgt spid="5"/>
+                                        </p:tgtEl>
+                                        <p:attrNameLst>
+                                          <p:attrName>style.visibility</p:attrName>
+                                        </p:attrNameLst>
+                                      </p:cBhvr>
+                                      <p:to>
+                                        <p:strVal val="visible"/>
+                                      </p:to>
+                                    </p:set>
+                                  </p:childTnLst>
+                                </p:cTn>
+                              </p:par>
+                            </p:childTnLst>
+                          </p:cTn>
+                        </p:par>
+                      </p:childTnLst>
+                    </p:cTn>
+                  </p:par>
+                  <p:par>
+                    <p:cTn id="9" fill="hold">
+                      <p:stCondLst>
+                        <p:cond delay="indefinite"/>
+                      </p:stCondLst>
+                      <p:childTnLst>
+                        <p:par>
+                          <p:cTn id="10" fill="hold">
+                            <p:stCondLst>
+                              <p:cond delay="0"/>
+                            </p:stCondLst>
+                            <p:childTnLst>
+                              <p:par>
+                                <p:cTn id="11" presetID="1" presetClass="entr" presetSubtype="0" fill="hold" grpId="0" nodeType="clickEffect">
+                                  <p:stCondLst>
+                                    <p:cond delay="0"/>
+                                  </p:stCondLst>
+                                  <p:childTnLst>
+                                    <p:set>
+                                      <p:cBhvr>
+                                        <p:cTn id="12" dur="1" fill="hold">
+                                          <p:stCondLst>
+                                            <p:cond delay="0"/>
+                                          </p:stCondLst>
+                                        </p:cTn>
+                                        <p:tgtEl>
+                                          <p:spTgt spid="6"/>
+                                        </p:tgtEl>
+                                        <p:attrNameLst>
+                                          <p:attrName>style.visibility</p:attrName>
+                                        </p:attrNameLst>
+                                      </p:cBhvr>
+                                      <p:to>
+                                        <p:strVal val="visible"/>
+                                      </p:to>
+                                    </p:set>
+                                  </p:childTnLst>
+                                </p:cTn>
+                              </p:par>
+                              <p:par>
+                                <p:cTn id="13" presetID="1" presetClass="entr" presetSubtype="0" fill="hold" grpId="0" nodeType="withEffect">
+                                  <p:stCondLst>
+                                    <p:cond delay="0"/>
+                                  </p:stCondLst>
+                                  <p:childTnLst>
+                                    <p:set>
+                                      <p:cBhvr>
+                                        <p:cTn id="14" dur="1" fill="hold">
+                                          <p:stCondLst>
+                                            <p:cond delay="0"/>
+                                          </p:stCondLst>
+                                        </p:cTn>
+                                        <p:tgtEl>
+                                          <p:spTgt spid="7"/>
+                                        </p:tgtEl>
+                                        <p:attrNameLst>
+                                          <p:attrName>style.visibility</p:attrName>
+                                        </p:attrNameLst>
+                                      </p:cBhvr>
+                                      <p:to>
+                                        <p:strVal val="visible"/>
+                                      </p:to>
+                                    </p:set>
+                                  </p:childTnLst>
+                                </p:cTn>
+                              </p:par>
+                            </p:childTnLst>
+                          </p:cTn>
+                        </p:par>
+                      </p:childTnLst>
+                    </p:cTn>
+                  </p:par>
+                  <p:par>
+                    <p:cTn id="15" fill="hold">
+                      <p:stCondLst>
+                        <p:cond delay="indefinite"/>
+                      </p:stCondLst>
+                      <p:childTnLst>
+                        <p:par>
+                          <p:cTn id="16" fill="hold">
+                            <p:stCondLst>
+                              <p:cond delay="0"/>
+                            </p:stCondLst>
+                            <p:childTnLst>
+                              <p:par>
+                                <p:cTn id="17" presetID="1" presetClass="entr" presetSubtype="0" fill="hold" grpId="0" nodeType="clickEffect">
+                                  <p:stCondLst>
+                                    <p:cond delay="0"/>
+                                  </p:stCondLst>
+                                  <p:childTnLst>
+                                    <p:set>
+                                      <p:cBhvr>
+                                        <p:cTn id="18" dur="1" fill="hold">
+                                          <p:stCondLst>
+                                            <p:cond delay="0"/>
+                                          </p:stCondLst>
+                                        </p:cTn>
+                                        <p:tgtEl>
+                                          <p:spTgt spid="8"/>
+                                        </p:tgtEl>
+                                        <p:attrNameLst>
+                                          <p:attrName>style.visibility</p:attrName>
+                                        </p:attrNameLst>
+                                      </p:cBhvr>
+                                      <p:to>
+                                        <p:strVal val="visible"/>
+                                      </p:to>
+                                    </p:set>
+                                  </p:childTnLst>
+                                </p:cTn>
+                              </p:par>
+                              <p:par>
+                                <p:cTn id="19" presetID="1" presetClass="entr" presetSubtype="0" fill="hold" grpId="0" nodeType="withEffect">
+                                  <p:stCondLst>
+                                    <p:cond delay="0"/>
+                                  </p:stCondLst>
+                                  <p:childTnLst>
+                                    <p:set>
+                                      <p:cBhvr>
+                                        <p:cTn id="20" dur="1" fill="hold">
+                                          <p:stCondLst>
+                                            <p:cond delay="0"/>
+                                          </p:stCondLst>
+                                        </p:cTn>
+                                        <p:tgtEl>
+                                          <p:spTgt spid="9"/>
+                                        </p:tgtEl>
+                                        <p:attrNameLst>
+                                          <p:attrName>style.visibility</p:attrName>
+                                        </p:attrNameLst>
+                                      </p:cBhvr>
+                                      <p:to>
+                                        <p:strVal val="visible"/>
+                                      </p:to>
+                                    </p:set>
+                                  </p:childTnLst>
+                                </p:cTn>
+                              </p:par>
+                            </p:childTnLst>
+                          </p:cTn>
+                        </p:par>
+                      </p:childTnLst>
+                    </p:cTn>
+                  </p:par>
+                  <p:par>
+                    <p:cTn id="21" fill="hold">
+                      <p:stCondLst>
+                        <p:cond delay="indefinite"/>
+                      </p:stCondLst>
+                      <p:childTnLst>
+                        <p:par>
+                          <p:cTn id="22" fill="hold">
+                            <p:stCondLst>
+                              <p:cond delay="0"/>
+                            </p:stCondLst>
+                            <p:childTnLst>
+                              <p:par>
+                                <p:cTn id="23" presetID="1" presetClass="entr" presetSubtype="0" fill="hold" grpId="0" nodeType="clickEffect">
+                                  <p:stCondLst>
+                                    <p:cond delay="0"/>
+                                  </p:stCondLst>
+                                  <p:childTnLst>
+                                    <p:set>
+                                      <p:cBhvr>
+                                        <p:cTn id="24" dur="1" fill="hold">
+                                          <p:stCondLst>
+                                            <p:cond delay="0"/>
+                                          </p:stCondLst>
+                                        </p:cTn>
+                                        <p:tgtEl>
+                                          <p:spTgt spid="10"/>
+                                        </p:tgtEl>
+                                        <p:attrNameLst>
+                                          <p:attrName>style.visibility</p:attrName>
+                                        </p:attrNameLst>
+                                      </p:cBhvr>
+                                      <p:to>
+                                        <p:strVal val="visible"/>
+                                      </p:to>
+                                    </p:set>
+                                  </p:childTnLst>
+                                </p:cTn>
+                              </p:par>
+                              <p:par>
+                                <p:cTn id="25" presetID="1" presetClass="entr" presetSubtype="0" fill="hold" grpId="0" nodeType="withEffect">
+                                  <p:stCondLst>
+                                    <p:cond delay="0"/>
+                                  </p:stCondLst>
+                                  <p:childTnLst>
+                                    <p:set>
+                                      <p:cBhvr>
+                                        <p:cTn id="26" dur="1" fill="hold">
+                                          <p:stCondLst>
+                                            <p:cond delay="0"/>
+                                          </p:stCondLst>
+                                        </p:cTn>
+                                        <p:tgtEl>
+                                          <p:spTgt spid="11"/>
+                                        </p:tgtEl>
+                                        <p:attrNameLst>
+                                          <p:attrName>style.visibility</p:attrName>
+                                        </p:attrNameLst>
+                                      </p:cBhvr>
+                                      <p:to>
+                                        <p:strVal val="visible"/>
+                                      </p:to>
+                                    </p:set>
+                                  </p:childTnLst>
+                                </p:cTn>
+                              </p:par>
+                            </p:childTnLst>
+                          </p:cTn>
+                        </p:par>
+                      </p:childTnLst>
+                    </p:cTn>
+                  </p:par>
+                  <p:par>
+                    <p:cTn id="27" fill="hold">
+                      <p:stCondLst>
+                        <p:cond delay="indefinite"/>
+                      </p:stCondLst>
+                      <p:childTnLst>
+                        <p:par>
+                          <p:cTn id="28" fill="hold">
+                            <p:stCondLst>
+                              <p:cond delay="0"/>
+                            </p:stCondLst>
+                            <p:childTnLst>
+                              <p:par>
+                                <p:cTn id="29" presetID="10" presetClass="entr" presetSubtype="0" fill="hold" grpId="0" nodeType="clickEffect">
+                                  <p:stCondLst>
+                                    <p:cond delay="0"/>
+                                  </p:stCondLst>
+                                  <p:childTnLst>
+                                    <p:set>
+                                      <p:cBhvr>
+                                        <p:cTn id="30" dur="1" fill="hold">
+                                          <p:stCondLst>
+                                            <p:cond delay="0"/>
+                                          </p:stCondLst>
+                                        </p:cTn>
+                                        <p:tgtEl>
+                                          <p:spTgt spid="12"/>
+                                        </p:tgtEl>
+                                        <p:attrNameLst>
+                                          <p:attrName>style.visibility</p:attrName>
+                                        </p:attrNameLst>
+                                      </p:cBhvr>
+                                      <p:to>
+                                        <p:strVal val="visible"/>
+                                      </p:to>
+                                    </p:set>
+                                    <p:animEffect transition="in" filter="fade">
+                                      <p:cBhvr>
+                                        <p:cTn id="31" dur="500"/>
+                                        <p:tgtEl>
+                                          <p:spTgt spid="12"/>
+                                        </p:tgtEl>
+                                      </p:cBhvr>
+                                    </p:animEffect>
+                                  </p:childTnLst>
+                                </p:cTn>
+                              </p:par>
+                            </p:childTnLst>
+                          </p:cTn>
+                        </p:par>
+                        <p:par>
+                          <p:cTn id="32" fill="hold">
+                            <p:stCondLst>
+                              <p:cond delay="500"/>
+                            </p:stCondLst>
+                            <p:childTnLst>
+                              <p:par>
+                                <p:cTn id="33" presetID="10" presetClass="entr" presetSubtype="0" fill="hold" grpId="0" nodeType="afterEffect">
+                                  <p:stCondLst>
+                                    <p:cond delay="0"/>
+                                  </p:stCondLst>
+                                  <p:childTnLst>
+                                    <p:set>
+                                      <p:cBhvr>
+                                        <p:cTn id="34" dur="1" fill="hold">
+                                          <p:stCondLst>
+                                            <p:cond delay="0"/>
+                                          </p:stCondLst>
+                                        </p:cTn>
+                                        <p:tgtEl>
+                                          <p:spTgt spid="14"/>
+                                        </p:tgtEl>
+                                        <p:attrNameLst>
+                                          <p:attrName>style.visibility</p:attrName>
+                                        </p:attrNameLst>
+                                      </p:cBhvr>
+                                      <p:to>
+                                        <p:strVal val="visible"/>
+                                      </p:to>
+                                    </p:set>
+                                    <p:animEffect transition="in" filter="fade">
+                                      <p:cBhvr>
+                                        <p:cTn id="35" dur="500"/>
+                                        <p:tgtEl>
+                                          <p:spTgt spid="14"/>
+                                        </p:tgtEl>
+                                      </p:cBhvr>
+                                    </p:animEffect>
+                                  </p:childTnLst>
+                                </p:cTn>
+                              </p:par>
+                            </p:childTnLst>
+                          </p:cTn>
+                        </p:par>
+                      </p:childTnLst>
+                    </p:cTn>
+                  </p:par>
+                  <p:par>
+                    <p:cTn id="36" fill="hold">
+                      <p:stCondLst>
+                        <p:cond delay="indefinite"/>
+                      </p:stCondLst>
+                      <p:childTnLst>
+                        <p:par>
+                          <p:cTn id="37" fill="hold">
+                            <p:stCondLst>
+                              <p:cond delay="0"/>
+                            </p:stCondLst>
+                            <p:childTnLst>
+                              <p:par>
+                                <p:cTn id="38" presetID="10" presetClass="entr" presetSubtype="0" fill="hold" grpId="0" nodeType="clickEffect">
+                                  <p:stCondLst>
+                                    <p:cond delay="0"/>
+                                  </p:stCondLst>
+                                  <p:childTnLst>
+                                    <p:set>
+                                      <p:cBhvr>
+                                        <p:cTn id="39" dur="1" fill="hold">
+                                          <p:stCondLst>
+                                            <p:cond delay="0"/>
+                                          </p:stCondLst>
+                                        </p:cTn>
+                                        <p:tgtEl>
+                                          <p:spTgt spid="13"/>
+                                        </p:tgtEl>
+                                        <p:attrNameLst>
+                                          <p:attrName>style.visibility</p:attrName>
+                                        </p:attrNameLst>
+                                      </p:cBhvr>
+                                      <p:to>
+                                        <p:strVal val="visible"/>
+                                      </p:to>
+                                    </p:set>
+                                    <p:animEffect transition="in" filter="fade">
+                                      <p:cBhvr>
+                                        <p:cTn id="40" dur="500"/>
+                                        <p:tgtEl>
+                                          <p:spTgt spid="13"/>
+                                        </p:tgtEl>
+                                      </p:cBhvr>
+                                    </p:animEffect>
+                                  </p:childTnLst>
+                                </p:cTn>
+                              </p:par>
+                            </p:childTnLst>
+                          </p:cTn>
+                        </p:par>
+                        <p:par>
+                          <p:cTn id="41" fill="hold">
+                            <p:stCondLst>
+                              <p:cond delay="500"/>
+                            </p:stCondLst>
+                            <p:childTnLst>
+                              <p:par>
+                                <p:cTn id="42" presetID="10" presetClass="entr" presetSubtype="0" fill="hold" grpId="0" nodeType="afterEffect">
+                                  <p:stCondLst>
+                                    <p:cond delay="0"/>
+                                  </p:stCondLst>
+                                  <p:childTnLst>
+                                    <p:set>
+                                      <p:cBhvr>
+                                        <p:cTn id="43" dur="1" fill="hold">
+                                          <p:stCondLst>
+                                            <p:cond delay="0"/>
+                                          </p:stCondLst>
+                                        </p:cTn>
+                                        <p:tgtEl>
+                                          <p:spTgt spid="15"/>
+                                        </p:tgtEl>
+                                        <p:attrNameLst>
+                                          <p:attrName>style.visibility</p:attrName>
+                                        </p:attrNameLst>
+                                      </p:cBhvr>
+                                      <p:to>
+                                        <p:strVal val="visible"/>
+                                      </p:to>
+                                    </p:set>
+                                    <p:animEffect transition="in" filter="fade">
+                                      <p:cBhvr>
+                                        <p:cTn id="44" dur="500"/>
+                                        <p:tgtEl>
+                                          <p:spTgt spid="15"/>
+                                        </p:tgtEl>
+                                      </p:cBhvr>
+                                    </p:animEffect>
+                                  </p:childTnLst>
+                                </p:cTn>
+                              </p:par>
+                            </p:childTnLst>
+                          </p:cTn>
+                        </p:par>
+                      </p:childTnLst>
+                    </p:cTn>
+                  </p:par>
+                  <p:par>
+                    <p:cTn id="45" fill="hold">
+                      <p:stCondLst>
+                        <p:cond delay="indefinite"/>
+                      </p:stCondLst>
+                      <p:childTnLst>
+                        <p:par>
+                          <p:cTn id="46" fill="hold">
+                            <p:stCondLst>
+                              <p:cond delay="0"/>
+                            </p:stCondLst>
+                            <p:childTnLst>
+                              <p:par>
+                                <p:cTn id="47" presetID="22" presetClass="entr" presetSubtype="4" fill="hold" grpId="0" nodeType="clickEffect">
+                                  <p:stCondLst>
+                                    <p:cond delay="0"/>
+                                  </p:stCondLst>
+                                  <p:childTnLst>
+                                    <p:set>
+                                      <p:cBhvr>
+                                        <p:cTn id="48" dur="1" fill="hold">
+                                          <p:stCondLst>
+                                            <p:cond delay="0"/>
+                                          </p:stCondLst>
+                                        </p:cTn>
+                                        <p:tgtEl>
+                                          <p:spTgt spid="17"/>
+                                        </p:tgtEl>
+                                        <p:attrNameLst>
+                                          <p:attrName>style.visibility</p:attrName>
+                                        </p:attrNameLst>
+                                      </p:cBhvr>
+                                      <p:to>
+                                        <p:strVal val="visible"/>
+                                      </p:to>
+                                    </p:set>
+                                    <p:animEffect transition="in" filter="wipe(down)">
+                                      <p:cBhvr>
+                                        <p:cTn id="49" dur="500"/>
+                                        <p:tgtEl>
+                                          <p:spTgt spid="17"/>
+                                        </p:tgtEl>
+                                      </p:cBhvr>
+                                    </p:animEffect>
+                                  </p:childTnLst>
+                                </p:cTn>
+                              </p:par>
+                              <p:par>
+                                <p:cTn id="50" presetID="16" presetClass="entr" presetSubtype="21" fill="hold" grpId="0" nodeType="withEffect">
+                                  <p:stCondLst>
+                                    <p:cond delay="0"/>
+                                  </p:stCondLst>
+                                  <p:childTnLst>
+                                    <p:set>
+                                      <p:cBhvr>
+                                        <p:cTn id="51" dur="1" fill="hold">
+                                          <p:stCondLst>
+                                            <p:cond delay="0"/>
+                                          </p:stCondLst>
+                                        </p:cTn>
+                                        <p:tgtEl>
+                                          <p:spTgt spid="18"/>
+                                        </p:tgtEl>
+                                        <p:attrNameLst>
+                                          <p:attrName>style.visibility</p:attrName>
+                                        </p:attrNameLst>
+                                      </p:cBhvr>
+                                      <p:to>
+                                        <p:strVal val="visible"/>
+                                      </p:to>
+                                    </p:set>
+                                    <p:animEffect transition="in" filter="barn(inVertical)">
+                                      <p:cBhvr>
+                                        <p:cTn id="52" dur="500"/>
+                                        <p:tgtEl>
+                                          <p:spTgt spid="18"/>
+                                        </p:tgtEl>
+                                      </p:cBhvr>
+                                    </p:animEffect>
+                                  </p:childTnLst>
+                                </p:cTn>
+                              </p:par>
+                              <p:par>
+                                <p:cTn id="53" presetID="22" presetClass="entr" presetSubtype="4" fill="hold" grpId="0" nodeType="withEffect">
+                                  <p:stCondLst>
+                                    <p:cond delay="0"/>
+                                  </p:stCondLst>
+                                  <p:childTnLst>
+                                    <p:set>
+                                      <p:cBhvr>
+                                        <p:cTn id="54" dur="1" fill="hold">
+                                          <p:stCondLst>
+                                            <p:cond delay="0"/>
+                                          </p:stCondLst>
+                                        </p:cTn>
+                                        <p:tgtEl>
+                                          <p:spTgt spid="19"/>
+                                        </p:tgtEl>
+                                        <p:attrNameLst>
+                                          <p:attrName>style.visibility</p:attrName>
+                                        </p:attrNameLst>
+                                      </p:cBhvr>
+                                      <p:to>
+                                        <p:strVal val="visible"/>
+                                      </p:to>
+                                    </p:set>
+                                    <p:animEffect transition="in" filter="wipe(down)">
+                                      <p:cBhvr>
+                                        <p:cTn id="55" dur="500"/>
+                                        <p:tgtEl>
+                                          <p:spTgt spid="19"/>
+                                        </p:tgtEl>
+                                      </p:cBhvr>
+                                    </p:animEffect>
+                                  </p:childTnLst>
+                                </p:cTn>
+                              </p:par>
+                              <p:par>
+                                <p:cTn id="56" presetID="22" presetClass="entr" presetSubtype="4" fill="hold" grpId="0" nodeType="withEffect">
+                                  <p:stCondLst>
+                                    <p:cond delay="0"/>
+                                  </p:stCondLst>
+                                  <p:childTnLst>
+                                    <p:set>
+                                      <p:cBhvr>
+                                        <p:cTn id="57" dur="1" fill="hold">
+                                          <p:stCondLst>
+                                            <p:cond delay="0"/>
+                                          </p:stCondLst>
+                                        </p:cTn>
+                                        <p:tgtEl>
+                                          <p:spTgt spid="20"/>
+                                        </p:tgtEl>
+                                        <p:attrNameLst>
+                                          <p:attrName>style.visibility</p:attrName>
+                                        </p:attrNameLst>
+                                      </p:cBhvr>
+                                      <p:to>
+                                        <p:strVal val="visible"/>
+                                      </p:to>
+                                    </p:set>
+                                    <p:animEffect transition="in" filter="wipe(down)">
+                                      <p:cBhvr>
+                                        <p:cTn id="58" dur="500"/>
+                                        <p:tgtEl>
+                                          <p:spTgt spid="20"/>
+                                        </p:tgtEl>
+                                      </p:cBhvr>
+                                    </p:animEffect>
+                                  </p:childTnLst>
+                                </p:cTn>
+                              </p:par>
+                              <p:par>
+                                <p:cTn id="59" presetID="22" presetClass="entr" presetSubtype="4" fill="hold" grpId="0" nodeType="withEffect">
+                                  <p:stCondLst>
+                                    <p:cond delay="0"/>
+                                  </p:stCondLst>
+                                  <p:childTnLst>
+                                    <p:set>
+                                      <p:cBhvr>
+                                        <p:cTn id="60" dur="1" fill="hold">
+                                          <p:stCondLst>
+                                            <p:cond delay="0"/>
+                                          </p:stCondLst>
+                                        </p:cTn>
+                                        <p:tgtEl>
+                                          <p:spTgt spid="21"/>
+                                        </p:tgtEl>
+                                        <p:attrNameLst>
+                                          <p:attrName>style.visibility</p:attrName>
+                                        </p:attrNameLst>
+                                      </p:cBhvr>
+                                      <p:to>
+                                        <p:strVal val="visible"/>
+                                      </p:to>
+                                    </p:set>
+                                    <p:animEffect transition="in" filter="wipe(down)">
+                                      <p:cBhvr>
+                                        <p:cTn id="61" dur="500"/>
+                                        <p:tgtEl>
+                                          <p:spTgt spid="21"/>
+                                        </p:tgtEl>
+                                      </p:cBhvr>
+                                    </p:animEffect>
+                                  </p:childTnLst>
+                                </p:cTn>
+                              </p:par>
+                            </p:childTnLst>
+                          </p:cTn>
+                        </p:par>
+                      </p:childTnLst>
+                    </p:cTn>
+                  </p:par>
+                  <p:par>
+                    <p:cTn id="62" fill="hold">
+                      <p:stCondLst>
+                        <p:cond delay="indefinite"/>
+                      </p:stCondLst>
+                      <p:childTnLst>
+                        <p:par>
+                          <p:cTn id="63" fill="hold">
+                            <p:stCondLst>
+                              <p:cond delay="0"/>
+                            </p:stCondLst>
+                            <p:childTnLst>
+                              <p:par>
+                                <p:cTn id="64" presetID="42" presetClass="entr" presetSubtype="0" fill="hold" nodeType="clickEffect">
+                                  <p:stCondLst>
+                                    <p:cond delay="0"/>
+                                  </p:stCondLst>
+                                  <p:childTnLst>
+                                    <p:set>
+                                      <p:cBhvr>
+                                        <p:cTn id="65" dur="1" fill="hold">
+                                          <p:stCondLst>
+                                            <p:cond delay="0"/>
+                                          </p:stCondLst>
+                                        </p:cTn>
+                                        <p:tgtEl>
+                                          <p:spTgt spid="23"/>
+                                        </p:tgtEl>
+                                        <p:attrNameLst>
+                                          <p:attrName>style.visibility</p:attrName>
+                                        </p:attrNameLst>
+                                      </p:cBhvr>
+                                      <p:to>
+                                        <p:strVal val="visible"/>
+                                      </p:to>
+                                    </p:set>
+                                    <p:animEffect transition="in" filter="fade">
+                                      <p:cBhvr>
+                                        <p:cTn id="66" dur="1000"/>
+                                        <p:tgtEl>
+                                          <p:spTgt spid="23"/>
+                                        </p:tgtEl>
+                                      </p:cBhvr>
+                                    </p:animEffect>
+                                    <p:anim calcmode="lin" valueType="num">
+                                      <p:cBhvr>
+                                        <p:cTn id="67" dur="1000" fill="hold"/>
+                                        <p:tgtEl>
+                                          <p:spTgt spid="23"/>
+                                        </p:tgtEl>
+                                        <p:attrNameLst>
+                                          <p:attrName>ppt_x</p:attrName>
+                                        </p:attrNameLst>
+                                      </p:cBhvr>
+                                      <p:tavLst>
+                                        <p:tav tm="0">
+                                          <p:val>
+                                            <p:strVal val="#ppt_x"/>
+                                          </p:val>
+                                        </p:tav>
+                                        <p:tav tm="100000">
+                                          <p:val>
+                                            <p:strVal val="#ppt_x"/>
+                                          </p:val>
+                                        </p:tav>
+                                      </p:tavLst>
+                                    </p:anim>
+                                    <p:anim calcmode="lin" valueType="num">
+                                      <p:cBhvr>
+                                        <p:cTn id="68" dur="1000" fill="hold"/>
+                                        <p:tgtEl>
+                                          <p:spTgt spid="23"/>
+                                        </p:tgtEl>
+                                        <p:attrNameLst>
+                                          <p:attrName>ppt_y</p:attrName>
+                                        </p:attrNameLst>
+                                      </p:cBhvr>
+                                      <p:tavLst>
+                                        <p:tav tm="0">
+                                          <p:val>
+                                            <p:strVal val="#ppt_y+.1"/>
+                                          </p:val>
+                                        </p:tav>
+                                        <p:tav tm="100000">
+                                          <p:val>
+                                            <p:strVal val="#ppt_y"/>
+                                          </p:val>
+                                        </p:tav>
+                                      </p:tavLst>
+                                    </p:anim>
+                                  </p:childTnLst>
+                                </p:cTn>
+                              </p:par>
+                              <p:par>
+                                <p:cTn id="69" presetID="2" presetClass="entr" presetSubtype="4" fill="hold" grpId="0" nodeType="withEffect">
+                                  <p:stCondLst>
+                                    <p:cond delay="0"/>
+                                  </p:stCondLst>
+                                  <p:childTnLst>
+                                    <p:set>
+                                      <p:cBhvr>
+                                        <p:cTn id="70" dur="1" fill="hold">
+                                          <p:stCondLst>
+                                            <p:cond delay="0"/>
+                                          </p:stCondLst>
+                                        </p:cTn>
+                                        <p:tgtEl>
+                                          <p:spTgt spid="24"/>
+                                        </p:tgtEl>
+                                        <p:attrNameLst>
+                                          <p:attrName>style.visibility</p:attrName>
+                                        </p:attrNameLst>
+                                      </p:cBhvr>
+                                      <p:to>
+                                        <p:strVal val="visible"/>
+                                      </p:to>
+                                    </p:set>
+                                    <p:anim calcmode="lin" valueType="num">
+                                      <p:cBhvr additive="base">
+                                        <p:cTn id="71" dur="500" fill="hold"/>
+                                        <p:tgtEl>
+                                          <p:spTgt spid="24"/>
+                                        </p:tgtEl>
+                                        <p:attrNameLst>
+                                          <p:attrName>ppt_x</p:attrName>
+                                        </p:attrNameLst>
+                                      </p:cBhvr>
+                                      <p:tavLst>
+                                        <p:tav tm="0">
+                                          <p:val>
+                                            <p:strVal val="#ppt_x"/>
+                                          </p:val>
+                                        </p:tav>
+                                        <p:tav tm="100000">
+                                          <p:val>
+                                            <p:strVal val="#ppt_x"/>
+                                          </p:val>
+                                        </p:tav>
+                                      </p:tavLst>
+                                    </p:anim>
+                                    <p:anim calcmode="lin" valueType="num">
+                                      <p:cBhvr additive="base">
+                                        <p:cTn id="72" dur="500" fill="hold"/>
+                                        <p:tgtEl>
+                                          <p:spTgt spid="24"/>
+                                        </p:tgtEl>
+                                        <p:attrNameLst>
+                                          <p:attrName>ppt_y</p:attrName>
+                                        </p:attrNameLst>
+                                      </p:cBhvr>
+                                      <p:tavLst>
+                                        <p:tav tm="0">
+                                          <p:val>
+                                            <p:strVal val="1+#ppt_h/2"/>
+                                          </p:val>
+                                        </p:tav>
+                                        <p:tav tm="100000">
+                                          <p:val>
+                                            <p:strVal val="#ppt_y"/>
+                                          </p:val>
+                                        </p:tav>
+                                      </p:tavLst>
+                                    </p:anim>
+                                  </p:childTnLst>
+                                </p:cTn>
+                              </p:par>
+                              <p:par>
+                                <p:cTn id="73" presetID="2" presetClass="entr" presetSubtype="4" fill="hold" grpId="0" nodeType="withEffect">
+                                  <p:stCondLst>
+                                    <p:cond delay="0"/>
+                                  </p:stCondLst>
+                                  <p:childTnLst>
+                                    <p:set>
+                                      <p:cBhvr>
+                                        <p:cTn id="74" dur="1" fill="hold">
+                                          <p:stCondLst>
+                                            <p:cond delay="0"/>
+                                          </p:stCondLst>
+                                        </p:cTn>
+                                        <p:tgtEl>
+                                          <p:spTgt spid="25"/>
+                                        </p:tgtEl>
+                                        <p:attrNameLst>
+                                          <p:attrName>style.visibility</p:attrName>
+                                        </p:attrNameLst>
+                                      </p:cBhvr>
+                                      <p:to>
+                                        <p:strVal val="visible"/>
+                                      </p:to>
+                                    </p:set>
+                                    <p:anim calcmode="lin" valueType="num">
+                                      <p:cBhvr additive="base">
+                                        <p:cTn id="75" dur="500" fill="hold"/>
+                                        <p:tgtEl>
+                                          <p:spTgt spid="25"/>
+                                        </p:tgtEl>
+                                        <p:attrNameLst>
+                                          <p:attrName>ppt_x</p:attrName>
+                                        </p:attrNameLst>
+                                      </p:cBhvr>
+                                      <p:tavLst>
+                                        <p:tav tm="0">
+                                          <p:val>
+                                            <p:strVal val="#ppt_x"/>
+                                          </p:val>
+                                        </p:tav>
+                                        <p:tav tm="100000">
+                                          <p:val>
+                                            <p:strVal val="#ppt_x"/>
+                                          </p:val>
+                                        </p:tav>
+                                      </p:tavLst>
+                                    </p:anim>
+                                    <p:anim calcmode="lin" valueType="num">
+                                      <p:cBhvr additive="base">
+                                        <p:cTn id="76" dur="500" fill="hold"/>
+                                        <p:tgtEl>
+                                          <p:spTgt spid="25"/>
+                                        </p:tgtEl>
+                                        <p:attrNameLst>
+                                          <p:attrName>ppt_y</p:attrName>
+                                        </p:attrNameLst>
+                                      </p:cBhvr>
+                                      <p:tavLst>
+                                        <p:tav tm="0">
+                                          <p:val>
+                                            <p:strVal val="1+#ppt_h/2"/>
+                                          </p:val>
+                                        </p:tav>
+                                        <p:tav tm="100000">
+                                          <p:val>
+                                            <p:strVal val="#ppt_y"/>
+                                          </p:val>
+                                        </p:tav>
+                                      </p:tavLst>
+                                    </p:anim>
+                                  </p:childTnLst>
+                                </p:cTn>
+                              </p:par>
+                              <p:par>
+                                <p:cTn id="77" presetID="2" presetClass="entr" presetSubtype="4" fill="hold" grpId="0" nodeType="withEffect">
+                                  <p:stCondLst>
+                                    <p:cond delay="0"/>
+                                  </p:stCondLst>
+                                  <p:childTnLst>
+                                    <p:set>
+                                      <p:cBhvr>
+                                        <p:cTn id="78" dur="1" fill="hold">
+                                          <p:stCondLst>
+                                            <p:cond delay="0"/>
+                                          </p:stCondLst>
+                                        </p:cTn>
+                                        <p:tgtEl>
+                                          <p:spTgt spid="26"/>
+                                        </p:tgtEl>
+                                        <p:attrNameLst>
+                                          <p:attrName>style.visibility</p:attrName>
+                                        </p:attrNameLst>
+                                      </p:cBhvr>
+                                      <p:to>
+                                        <p:strVal val="visible"/>
+                                      </p:to>
+                                    </p:set>
+                                    <p:anim calcmode="lin" valueType="num">
+                                      <p:cBhvr additive="base">
+                                        <p:cTn id="79" dur="500" fill="hold"/>
+                                        <p:tgtEl>
+                                          <p:spTgt spid="26"/>
+                                        </p:tgtEl>
+                                        <p:attrNameLst>
+                                          <p:attrName>ppt_x</p:attrName>
+                                        </p:attrNameLst>
+                                      </p:cBhvr>
+                                      <p:tavLst>
+                                        <p:tav tm="0">
+                                          <p:val>
+                                            <p:strVal val="#ppt_x"/>
+                                          </p:val>
+                                        </p:tav>
+                                        <p:tav tm="100000">
+                                          <p:val>
+                                            <p:strVal val="#ppt_x"/>
+                                          </p:val>
+                                        </p:tav>
+                                      </p:tavLst>
+                                    </p:anim>
+                                    <p:anim calcmode="lin" valueType="num">
+                                      <p:cBhvr additive="base">
+                                        <p:cTn id="80" dur="500" fill="hold"/>
+                                        <p:tgtEl>
+                                          <p:spTgt spid="26"/>
+                                        </p:tgtEl>
+                                        <p:attrNameLst>
+                                          <p:attrName>ppt_y</p:attrName>
+                                        </p:attrNameLst>
+                                      </p:cBhvr>
+                                      <p:tavLst>
+                                        <p:tav tm="0">
+                                          <p:val>
+                                            <p:strVal val="1+#ppt_h/2"/>
+                                          </p:val>
+                                        </p:tav>
+                                        <p:tav tm="100000">
+                                          <p:val>
+                                            <p:strVal val="#ppt_y"/>
+                                          </p:val>
+                                        </p:tav>
+                                      </p:tavLst>
+                                    </p:anim>
+                                  </p:childTnLst>
+                                </p:cTn>
+                              </p:par>
+                            </p:childTnLst>
+                          </p:cTn>
+                        </p:par>
+                      </p:childTnLst>
+                    </p:cTn>
+                  </p:par>
+                  <p:par>
+                    <p:cTn id="81" fill="hold">
+                      <p:stCondLst>
+                        <p:cond delay="indefinite"/>
+                      </p:stCondLst>
+                      <p:childTnLst>
+                        <p:par>
+                          <p:cTn id="82" fill="hold">
+                            <p:stCondLst>
+                              <p:cond delay="0"/>
+                            </p:stCondLst>
+                            <p:childTnLst>
+                              <p:par>
+                                <p:cTn id="83" presetID="16" presetClass="entr" presetSubtype="21" fill="hold" nodeType="clickEffect">
+                                  <p:stCondLst>
+                                    <p:cond delay="0"/>
+                                  </p:stCondLst>
+                                  <p:childTnLst>
+                                    <p:set>
+                                      <p:cBhvr>
+                                        <p:cTn id="84" dur="1" fill="hold">
+                                          <p:stCondLst>
+                                            <p:cond delay="0"/>
+                                          </p:stCondLst>
+                                        </p:cTn>
+                                        <p:tgtEl>
+                                          <p:spTgt spid="27"/>
+                                        </p:tgtEl>
+                                        <p:attrNameLst>
+                                          <p:attrName>style.visibility</p:attrName>
+                                        </p:attrNameLst>
+                                      </p:cBhvr>
+                                      <p:to>
+                                        <p:strVal val="visible"/>
+                                      </p:to>
+                                    </p:set>
+                                    <p:animEffect transition="in" filter="barn(inVertical)">
+                                      <p:cBhvr>
+                                        <p:cTn id="85" dur="500"/>
+                                        <p:tgtEl>
+                                          <p:spTgt spid="27"/>
+                                        </p:tgtEl>
+                                      </p:cBhvr>
+                                    </p:animEffect>
+                                  </p:childTnLst>
+                                </p:cTn>
+                              </p:par>
+                              <p:par>
+                                <p:cTn id="86" presetID="16" presetClass="entr" presetSubtype="21" fill="hold" grpId="0" nodeType="withEffect">
+                                  <p:stCondLst>
+                                    <p:cond delay="0"/>
+                                  </p:stCondLst>
+                                  <p:childTnLst>
+                                    <p:set>
+                                      <p:cBhvr>
+                                        <p:cTn id="87" dur="1" fill="hold">
+                                          <p:stCondLst>
+                                            <p:cond delay="0"/>
+                                          </p:stCondLst>
+                                        </p:cTn>
+                                        <p:tgtEl>
+                                          <p:spTgt spid="28"/>
+                                        </p:tgtEl>
+                                        <p:attrNameLst>
+                                          <p:attrName>style.visibility</p:attrName>
+                                        </p:attrNameLst>
+                                      </p:cBhvr>
+                                      <p:to>
+                                        <p:strVal val="visible"/>
+                                      </p:to>
+                                    </p:set>
+                                    <p:animEffect transition="in" filter="barn(inVertical)">
+                                      <p:cBhvr>
+                                        <p:cTn id="88" dur="500"/>
+                                        <p:tgtEl>
+                                          <p:spTgt spid="28"/>
+                                        </p:tgtEl>
+                                      </p:cBhvr>
+                                    </p:animEffect>
+                                  </p:childTnLst>
+                                </p:cTn>
+                              </p:par>
+                              <p:par>
+                                <p:cTn id="89" presetID="16" presetClass="entr" presetSubtype="21" fill="hold" grpId="0" nodeType="withEffect">
+                                  <p:stCondLst>
+                                    <p:cond delay="0"/>
+                                  </p:stCondLst>
+                                  <p:childTnLst>
+                                    <p:set>
+                                      <p:cBhvr>
+                                        <p:cTn id="90" dur="1" fill="hold">
+                                          <p:stCondLst>
+                                            <p:cond delay="0"/>
+                                          </p:stCondLst>
+                                        </p:cTn>
+                                        <p:tgtEl>
+                                          <p:spTgt spid="29"/>
+                                        </p:tgtEl>
+                                        <p:attrNameLst>
+                                          <p:attrName>style.visibility</p:attrName>
+                                        </p:attrNameLst>
+                                      </p:cBhvr>
+                                      <p:to>
+                                        <p:strVal val="visible"/>
+                                      </p:to>
+                                    </p:set>
+                                    <p:animEffect transition="in" filter="barn(inVertical)">
+                                      <p:cBhvr>
+                                        <p:cTn id="91" dur="500"/>
+                                        <p:tgtEl>
+                                          <p:spTgt spid="29"/>
+                                        </p:tgtEl>
+                                      </p:cBhvr>
+                                    </p:animEffect>
+                                  </p:childTnLst>
+                                </p:cTn>
+                              </p:par>
+                              <p:par>
+                                <p:cTn id="92" presetID="16" presetClass="entr" presetSubtype="21" fill="hold" grpId="0" nodeType="withEffect">
+                                  <p:stCondLst>
+                                    <p:cond delay="0"/>
+                                  </p:stCondLst>
+                                  <p:childTnLst>
+                                    <p:set>
+                                      <p:cBhvr>
+                                        <p:cTn id="93" dur="1" fill="hold">
+                                          <p:stCondLst>
+                                            <p:cond delay="0"/>
+                                          </p:stCondLst>
+                                        </p:cTn>
+                                        <p:tgtEl>
+                                          <p:spTgt spid="30"/>
+                                        </p:tgtEl>
+                                        <p:attrNameLst>
+                                          <p:attrName>style.visibility</p:attrName>
+                                        </p:attrNameLst>
+                                      </p:cBhvr>
+                                      <p:to>
+                                        <p:strVal val="visible"/>
+                                      </p:to>
+                                    </p:set>
+                                    <p:animEffect transition="in" filter="barn(inVertical)">
+                                      <p:cBhvr>
+                                        <p:cTn id="94" dur="500"/>
+                                        <p:tgtEl>
+                                          <p:spTgt spid="30"/>
+                                        </p:tgtEl>
+                                      </p:cBhvr>
+                                    </p:animEffect>
+                                  </p:childTnLst>
+                                </p:cTn>
+                              </p:par>
+                              <p:par>
+                                <p:cTn id="95" presetID="16" presetClass="entr" presetSubtype="21" fill="hold" grpId="0" nodeType="withEffect">
+                                  <p:stCondLst>
+                                    <p:cond delay="0"/>
+                                  </p:stCondLst>
+                                  <p:childTnLst>
+                                    <p:set>
+                                      <p:cBhvr>
+                                        <p:cTn id="96" dur="1" fill="hold">
+                                          <p:stCondLst>
+                                            <p:cond delay="0"/>
+                                          </p:stCondLst>
+                                        </p:cTn>
+                                        <p:tgtEl>
+                                          <p:spTgt spid="31"/>
+                                        </p:tgtEl>
+                                        <p:attrNameLst>
+                                          <p:attrName>style.visibility</p:attrName>
+                                        </p:attrNameLst>
+                                      </p:cBhvr>
+                                      <p:to>
+                                        <p:strVal val="visible"/>
+                                      </p:to>
+                                    </p:set>
+                                    <p:animEffect transition="in" filter="barn(inVertical)">
+                                      <p:cBhvr>
+                                        <p:cTn id="97" dur="500"/>
+                                        <p:tgtEl>
+                                          <p:spTgt spid="31"/>
+                                        </p:tgtEl>
+                                      </p:cBhvr>
+                                    </p:animEffect>
+                                  </p:childTnLst>
+                                </p:cTn>
+                              </p:par>
+                              <p:par>
+                                <p:cTn id="98" presetID="16" presetClass="entr" presetSubtype="21" fill="hold" grpId="0" nodeType="withEffect">
+                                  <p:stCondLst>
+                                    <p:cond delay="0"/>
+                                  </p:stCondLst>
+                                  <p:childTnLst>
+                                    <p:set>
+                                      <p:cBhvr>
+                                        <p:cTn id="99" dur="1" fill="hold">
+                                          <p:stCondLst>
+                                            <p:cond delay="0"/>
+                                          </p:stCondLst>
+                                        </p:cTn>
+                                        <p:tgtEl>
+                                          <p:spTgt spid="32"/>
+                                        </p:tgtEl>
+                                        <p:attrNameLst>
+                                          <p:attrName>style.visibility</p:attrName>
+                                        </p:attrNameLst>
+                                      </p:cBhvr>
+                                      <p:to>
+                                        <p:strVal val="visible"/>
+                                      </p:to>
+                                    </p:set>
+                                    <p:animEffect transition="in" filter="barn(inVertical)">
+                                      <p:cBhvr>
+                                        <p:cTn id="100" dur="500"/>
+                                        <p:tgtEl>
+                                          <p:spTgt spid="32"/>
+                                        </p:tgtEl>
+                                      </p:cBhvr>
+                                    </p:animEffect>
+                                  </p:childTnLst>
+                                </p:cTn>
+                              </p:par>
+                            </p:childTnLst>
+                          </p:cTn>
+                        </p:par>
+                      </p:childTnLst>
+                    </p:cTn>
+                  </p:par>
+                </p:childTnLst>
+              </p:cTn>
+              <p:prevCondLst>
+                <p:cond evt="onPrev" delay="0">
+                  <p:tgtEl>
+                    <p:sldTgt/>
+                  </p:tgtEl>
+                </p:cond>
+              </p:prevCondLst>
+              <p:nextCondLst>
+                <p:cond evt="onNext" delay="0">
+                  <p:tgtEl>
+                    <p:sldTgt/>
+                  </p:tgtEl>
+                </p:cond>
+              </p:nextCondLst>
+            </p:seq>
+          </p:childTnLst>
+        </p:cTn>
+      </p:par>
+    </p:tnLst>
+    <p:bldLst>
+      <p:bldP spid="4" grpId="0" animBg="1"/>
+      <p:bldP spid="5" grpId="0"/>
+      <p:bldP spid="6" grpId="0" animBg="1"/>
+      <p:bldP spid="7" grpId="0"/>
+      <p:bldP spid="8" grpId="0" animBg="1"/>
+      <p:bldP spid="9" grpId="0"/>
+      <p:bldP spid="10" grpId="0" animBg="1"/>
+      <p:bldP spid="11" grpId="0"/>
+      <p:bldP spid="12" grpId="0" animBg="1"/>
+      <p:bldP spid="13" grpId="0" animBg="1"/>
+      <p:bldP spid="14" grpId="0"/>
+      <p:bldP spid="15" grpId="0"/>
+      <p:bldP spid="17" grpId="0" animBg="1"/>
+      <p:bldP spid="18" grpId="0" animBg="1"/>
+      <p:bldP spid="19" grpId="0" animBg="1"/>
+      <p:bldP spid="20" grpId="0" animBg="1"/>
+      <p:bldP spid="21" grpId="0" animBg="1"/>
+      <p:bldP spid="24" grpId="0" animBg="1"/>
+      <p:bldP spid="25" grpId="0" animBg="1"/>
+      <p:bldP spid="26" grpId="0" animBg="1"/>
+      <p:bldP spid="28" grpId="0" animBg="1"/>
+      <p:bldP spid="29" grpId="0" animBg="1"/>
+      <p:bldP spid="30" grpId="0" animBg="1"/>
+      <p:bldP spid="31" grpId="0" animBg="1"/>
+      <p:bldP spid="32" grpId="0" animBg="1"/>
+    </p:bldLst>
+  </p:timing>
 </p:sld>
 </file>
 
@@ -4898,6 +6181,271 @@
   <p:clrMapOvr>
     <a:masterClrMapping/>
   </p:clrMapOvr>
+  <p:timing>
+    <p:tnLst>
+      <p:par>
+        <p:cTn id="1" dur="indefinite" restart="never" nodeType="tmRoot">
+          <p:childTnLst>
+            <p:seq concurrent="1" nextAc="seek">
+              <p:cTn id="2" dur="indefinite" nodeType="mainSeq">
+                <p:childTnLst>
+                  <p:par>
+                    <p:cTn id="3" fill="hold">
+                      <p:stCondLst>
+                        <p:cond delay="indefinite"/>
+                      </p:stCondLst>
+                      <p:childTnLst>
+                        <p:par>
+                          <p:cTn id="4" fill="hold">
+                            <p:stCondLst>
+                              <p:cond delay="0"/>
+                            </p:stCondLst>
+                            <p:childTnLst>
+                              <p:par>
+                                <p:cTn id="5" presetID="10" presetClass="entr" presetSubtype="0" fill="hold" nodeType="clickEffect">
+                                  <p:stCondLst>
+                                    <p:cond delay="0"/>
+                                  </p:stCondLst>
+                                  <p:childTnLst>
+                                    <p:set>
+                                      <p:cBhvr>
+                                        <p:cTn id="6" dur="1" fill="hold">
+                                          <p:stCondLst>
+                                            <p:cond delay="0"/>
+                                          </p:stCondLst>
+                                        </p:cTn>
+                                        <p:tgtEl>
+                                          <p:spTgt spid="1026"/>
+                                        </p:tgtEl>
+                                        <p:attrNameLst>
+                                          <p:attrName>style.visibility</p:attrName>
+                                        </p:attrNameLst>
+                                      </p:cBhvr>
+                                      <p:to>
+                                        <p:strVal val="visible"/>
+                                      </p:to>
+                                    </p:set>
+                                    <p:animEffect transition="in" filter="fade">
+                                      <p:cBhvr>
+                                        <p:cTn id="7" dur="500"/>
+                                        <p:tgtEl>
+                                          <p:spTgt spid="1026"/>
+                                        </p:tgtEl>
+                                      </p:cBhvr>
+                                    </p:animEffect>
+                                  </p:childTnLst>
+                                </p:cTn>
+                              </p:par>
+                              <p:par>
+                                <p:cTn id="8" presetID="2" presetClass="entr" presetSubtype="4" fill="hold" nodeType="withEffect">
+                                  <p:stCondLst>
+                                    <p:cond delay="0"/>
+                                  </p:stCondLst>
+                                  <p:childTnLst>
+                                    <p:set>
+                                      <p:cBhvr>
+                                        <p:cTn id="9" dur="1" fill="hold">
+                                          <p:stCondLst>
+                                            <p:cond delay="0"/>
+                                          </p:stCondLst>
+                                        </p:cTn>
+                                        <p:tgtEl>
+                                          <p:spTgt spid="37"/>
+                                        </p:tgtEl>
+                                        <p:attrNameLst>
+                                          <p:attrName>style.visibility</p:attrName>
+                                        </p:attrNameLst>
+                                      </p:cBhvr>
+                                      <p:to>
+                                        <p:strVal val="visible"/>
+                                      </p:to>
+                                    </p:set>
+                                    <p:anim calcmode="lin" valueType="num">
+                                      <p:cBhvr additive="base">
+                                        <p:cTn id="10" dur="500" fill="hold"/>
+                                        <p:tgtEl>
+                                          <p:spTgt spid="37"/>
+                                        </p:tgtEl>
+                                        <p:attrNameLst>
+                                          <p:attrName>ppt_x</p:attrName>
+                                        </p:attrNameLst>
+                                      </p:cBhvr>
+                                      <p:tavLst>
+                                        <p:tav tm="0">
+                                          <p:val>
+                                            <p:strVal val="#ppt_x"/>
+                                          </p:val>
+                                        </p:tav>
+                                        <p:tav tm="100000">
+                                          <p:val>
+                                            <p:strVal val="#ppt_x"/>
+                                          </p:val>
+                                        </p:tav>
+                                      </p:tavLst>
+                                    </p:anim>
+                                    <p:anim calcmode="lin" valueType="num">
+                                      <p:cBhvr additive="base">
+                                        <p:cTn id="11" dur="500" fill="hold"/>
+                                        <p:tgtEl>
+                                          <p:spTgt spid="37"/>
+                                        </p:tgtEl>
+                                        <p:attrNameLst>
+                                          <p:attrName>ppt_y</p:attrName>
+                                        </p:attrNameLst>
+                                      </p:cBhvr>
+                                      <p:tavLst>
+                                        <p:tav tm="0">
+                                          <p:val>
+                                            <p:strVal val="1+#ppt_h/2"/>
+                                          </p:val>
+                                        </p:tav>
+                                        <p:tav tm="100000">
+                                          <p:val>
+                                            <p:strVal val="#ppt_y"/>
+                                          </p:val>
+                                        </p:tav>
+                                      </p:tavLst>
+                                    </p:anim>
+                                  </p:childTnLst>
+                                </p:cTn>
+                              </p:par>
+                            </p:childTnLst>
+                          </p:cTn>
+                        </p:par>
+                      </p:childTnLst>
+                    </p:cTn>
+                  </p:par>
+                  <p:par>
+                    <p:cTn id="12" fill="hold">
+                      <p:stCondLst>
+                        <p:cond delay="indefinite"/>
+                      </p:stCondLst>
+                      <p:childTnLst>
+                        <p:par>
+                          <p:cTn id="13" fill="hold">
+                            <p:stCondLst>
+                              <p:cond delay="0"/>
+                            </p:stCondLst>
+                            <p:childTnLst>
+                              <p:par>
+                                <p:cTn id="14" presetID="22" presetClass="entr" presetSubtype="4" fill="hold" grpId="0" nodeType="clickEffect">
+                                  <p:stCondLst>
+                                    <p:cond delay="0"/>
+                                  </p:stCondLst>
+                                  <p:childTnLst>
+                                    <p:set>
+                                      <p:cBhvr>
+                                        <p:cTn id="15" dur="1" fill="hold">
+                                          <p:stCondLst>
+                                            <p:cond delay="0"/>
+                                          </p:stCondLst>
+                                        </p:cTn>
+                                        <p:tgtEl>
+                                          <p:spTgt spid="40"/>
+                                        </p:tgtEl>
+                                        <p:attrNameLst>
+                                          <p:attrName>style.visibility</p:attrName>
+                                        </p:attrNameLst>
+                                      </p:cBhvr>
+                                      <p:to>
+                                        <p:strVal val="visible"/>
+                                      </p:to>
+                                    </p:set>
+                                    <p:animEffect transition="in" filter="wipe(down)">
+                                      <p:cBhvr>
+                                        <p:cTn id="16" dur="500"/>
+                                        <p:tgtEl>
+                                          <p:spTgt spid="40"/>
+                                        </p:tgtEl>
+                                      </p:cBhvr>
+                                    </p:animEffect>
+                                  </p:childTnLst>
+                                </p:cTn>
+                              </p:par>
+                            </p:childTnLst>
+                          </p:cTn>
+                        </p:par>
+                      </p:childTnLst>
+                    </p:cTn>
+                  </p:par>
+                  <p:par>
+                    <p:cTn id="17" fill="hold">
+                      <p:stCondLst>
+                        <p:cond delay="indefinite"/>
+                      </p:stCondLst>
+                      <p:childTnLst>
+                        <p:par>
+                          <p:cTn id="18" fill="hold">
+                            <p:stCondLst>
+                              <p:cond delay="0"/>
+                            </p:stCondLst>
+                            <p:childTnLst>
+                              <p:par>
+                                <p:cTn id="19" presetID="6" presetClass="entr" presetSubtype="16" fill="hold" nodeType="clickEffect">
+                                  <p:stCondLst>
+                                    <p:cond delay="0"/>
+                                  </p:stCondLst>
+                                  <p:childTnLst>
+                                    <p:set>
+                                      <p:cBhvr>
+                                        <p:cTn id="20" dur="1" fill="hold">
+                                          <p:stCondLst>
+                                            <p:cond delay="0"/>
+                                          </p:stCondLst>
+                                        </p:cTn>
+                                        <p:tgtEl>
+                                          <p:spTgt spid="39"/>
+                                        </p:tgtEl>
+                                        <p:attrNameLst>
+                                          <p:attrName>style.visibility</p:attrName>
+                                        </p:attrNameLst>
+                                      </p:cBhvr>
+                                      <p:to>
+                                        <p:strVal val="visible"/>
+                                      </p:to>
+                                    </p:set>
+                                    <p:animEffect transition="in" filter="circle(in)">
+                                      <p:cBhvr>
+                                        <p:cTn id="21" dur="2000"/>
+                                        <p:tgtEl>
+                                          <p:spTgt spid="39"/>
+                                        </p:tgtEl>
+                                      </p:cBhvr>
+                                    </p:animEffect>
+                                  </p:childTnLst>
+                                </p:cTn>
+                              </p:par>
+                            </p:childTnLst>
+                          </p:cTn>
+                        </p:par>
+                      </p:childTnLst>
+                    </p:cTn>
+                  </p:par>
+                </p:childTnLst>
+              </p:cTn>
+              <p:prevCondLst>
+                <p:cond evt="onPrev" delay="0">
+                  <p:tgtEl>
+                    <p:sldTgt/>
+                  </p:tgtEl>
+                </p:cond>
+              </p:prevCondLst>
+              <p:nextCondLst>
+                <p:cond evt="onNext" delay="0">
+                  <p:tgtEl>
+                    <p:sldTgt/>
+                  </p:tgtEl>
+                </p:cond>
+              </p:nextCondLst>
+            </p:seq>
+          </p:childTnLst>
+        </p:cTn>
+      </p:par>
+    </p:tnLst>
+    <p:bldLst>
+      <p:bldP spid="40" grpId="0" animBg="1"/>
+    </p:bldLst>
+  </p:timing>
 </p:sld>
 </file>
 
@@ -5054,6 +6602,236 @@
   <p:clrMapOvr>
     <a:masterClrMapping/>
   </p:clrMapOvr>
+  <p:timing>
+    <p:tnLst>
+      <p:par>
+        <p:cTn id="1" dur="indefinite" restart="never" nodeType="tmRoot">
+          <p:childTnLst>
+            <p:seq concurrent="1" nextAc="seek">
+              <p:cTn id="2" dur="indefinite" nodeType="mainSeq">
+                <p:childTnLst>
+                  <p:par>
+                    <p:cTn id="3" fill="hold">
+                      <p:stCondLst>
+                        <p:cond delay="indefinite"/>
+                      </p:stCondLst>
+                      <p:childTnLst>
+                        <p:par>
+                          <p:cTn id="4" fill="hold">
+                            <p:stCondLst>
+                              <p:cond delay="0"/>
+                            </p:stCondLst>
+                            <p:childTnLst>
+                              <p:par>
+                                <p:cTn id="5" presetID="2" presetClass="entr" presetSubtype="4" fill="hold" nodeType="clickEffect">
+                                  <p:stCondLst>
+                                    <p:cond delay="0"/>
+                                  </p:stCondLst>
+                                  <p:childTnLst>
+                                    <p:set>
+                                      <p:cBhvr>
+                                        <p:cTn id="6" dur="1" fill="hold">
+                                          <p:stCondLst>
+                                            <p:cond delay="0"/>
+                                          </p:stCondLst>
+                                        </p:cTn>
+                                        <p:tgtEl>
+                                          <p:spTgt spid="2050"/>
+                                        </p:tgtEl>
+                                        <p:attrNameLst>
+                                          <p:attrName>style.visibility</p:attrName>
+                                        </p:attrNameLst>
+                                      </p:cBhvr>
+                                      <p:to>
+                                        <p:strVal val="visible"/>
+                                      </p:to>
+                                    </p:set>
+                                    <p:anim calcmode="lin" valueType="num">
+                                      <p:cBhvr additive="base">
+                                        <p:cTn id="7" dur="500" fill="hold"/>
+                                        <p:tgtEl>
+                                          <p:spTgt spid="2050"/>
+                                        </p:tgtEl>
+                                        <p:attrNameLst>
+                                          <p:attrName>ppt_x</p:attrName>
+                                        </p:attrNameLst>
+                                      </p:cBhvr>
+                                      <p:tavLst>
+                                        <p:tav tm="0">
+                                          <p:val>
+                                            <p:strVal val="#ppt_x"/>
+                                          </p:val>
+                                        </p:tav>
+                                        <p:tav tm="100000">
+                                          <p:val>
+                                            <p:strVal val="#ppt_x"/>
+                                          </p:val>
+                                        </p:tav>
+                                      </p:tavLst>
+                                    </p:anim>
+                                    <p:anim calcmode="lin" valueType="num">
+                                      <p:cBhvr additive="base">
+                                        <p:cTn id="8" dur="500" fill="hold"/>
+                                        <p:tgtEl>
+                                          <p:spTgt spid="2050"/>
+                                        </p:tgtEl>
+                                        <p:attrNameLst>
+                                          <p:attrName>ppt_y</p:attrName>
+                                        </p:attrNameLst>
+                                      </p:cBhvr>
+                                      <p:tavLst>
+                                        <p:tav tm="0">
+                                          <p:val>
+                                            <p:strVal val="1+#ppt_h/2"/>
+                                          </p:val>
+                                        </p:tav>
+                                        <p:tav tm="100000">
+                                          <p:val>
+                                            <p:strVal val="#ppt_y"/>
+                                          </p:val>
+                                        </p:tav>
+                                      </p:tavLst>
+                                    </p:anim>
+                                  </p:childTnLst>
+                                </p:cTn>
+                              </p:par>
+                            </p:childTnLst>
+                          </p:cTn>
+                        </p:par>
+                      </p:childTnLst>
+                    </p:cTn>
+                  </p:par>
+                  <p:par>
+                    <p:cTn id="9" fill="hold">
+                      <p:stCondLst>
+                        <p:cond delay="indefinite"/>
+                      </p:stCondLst>
+                      <p:childTnLst>
+                        <p:par>
+                          <p:cTn id="10" fill="hold">
+                            <p:stCondLst>
+                              <p:cond delay="0"/>
+                            </p:stCondLst>
+                            <p:childTnLst>
+                              <p:par>
+                                <p:cTn id="11" presetID="6" presetClass="entr" presetSubtype="16" fill="hold" grpId="0" nodeType="clickEffect">
+                                  <p:stCondLst>
+                                    <p:cond delay="0"/>
+                                  </p:stCondLst>
+                                  <p:childTnLst>
+                                    <p:set>
+                                      <p:cBhvr>
+                                        <p:cTn id="12" dur="1" fill="hold">
+                                          <p:stCondLst>
+                                            <p:cond delay="0"/>
+                                          </p:stCondLst>
+                                        </p:cTn>
+                                        <p:tgtEl>
+                                          <p:spTgt spid="8"/>
+                                        </p:tgtEl>
+                                        <p:attrNameLst>
+                                          <p:attrName>style.visibility</p:attrName>
+                                        </p:attrNameLst>
+                                      </p:cBhvr>
+                                      <p:to>
+                                        <p:strVal val="visible"/>
+                                      </p:to>
+                                    </p:set>
+                                    <p:animEffect transition="in" filter="circle(in)">
+                                      <p:cBhvr>
+                                        <p:cTn id="13" dur="2000"/>
+                                        <p:tgtEl>
+                                          <p:spTgt spid="8"/>
+                                        </p:tgtEl>
+                                      </p:cBhvr>
+                                    </p:animEffect>
+                                  </p:childTnLst>
+                                </p:cTn>
+                              </p:par>
+                            </p:childTnLst>
+                          </p:cTn>
+                        </p:par>
+                      </p:childTnLst>
+                    </p:cTn>
+                  </p:par>
+                  <p:par>
+                    <p:cTn id="14" fill="hold">
+                      <p:stCondLst>
+                        <p:cond delay="indefinite"/>
+                      </p:stCondLst>
+                      <p:childTnLst>
+                        <p:par>
+                          <p:cTn id="15" fill="hold">
+                            <p:stCondLst>
+                              <p:cond delay="0"/>
+                            </p:stCondLst>
+                            <p:childTnLst>
+                              <p:par>
+                                <p:cTn id="16" presetID="21" presetClass="entr" presetSubtype="1" fill="hold" nodeType="clickEffect">
+                                  <p:stCondLst>
+                                    <p:cond delay="0"/>
+                                  </p:stCondLst>
+                                  <p:childTnLst>
+                                    <p:set>
+                                      <p:cBhvr>
+                                        <p:cTn id="17" dur="1" fill="hold">
+                                          <p:stCondLst>
+                                            <p:cond delay="0"/>
+                                          </p:stCondLst>
+                                        </p:cTn>
+                                        <p:tgtEl>
+                                          <p:spTgt spid="7"/>
+                                        </p:tgtEl>
+                                        <p:attrNameLst>
+                                          <p:attrName>style.visibility</p:attrName>
+                                        </p:attrNameLst>
+                                      </p:cBhvr>
+                                      <p:to>
+                                        <p:strVal val="visible"/>
+                                      </p:to>
+                                    </p:set>
+                                    <p:animEffect transition="in" filter="wheel(1)">
+                                      <p:cBhvr>
+                                        <p:cTn id="18" dur="2000"/>
+                                        <p:tgtEl>
+                                          <p:spTgt spid="7"/>
+                                        </p:tgtEl>
+                                      </p:cBhvr>
+                                    </p:animEffect>
+                                  </p:childTnLst>
+                                </p:cTn>
+                              </p:par>
+                            </p:childTnLst>
+                          </p:cTn>
+                        </p:par>
+                      </p:childTnLst>
+                    </p:cTn>
+                  </p:par>
+                </p:childTnLst>
+              </p:cTn>
+              <p:prevCondLst>
+                <p:cond evt="onPrev" delay="0">
+                  <p:tgtEl>
+                    <p:sldTgt/>
+                  </p:tgtEl>
+                </p:cond>
+              </p:prevCondLst>
+              <p:nextCondLst>
+                <p:cond evt="onNext" delay="0">
+                  <p:tgtEl>
+                    <p:sldTgt/>
+                  </p:tgtEl>
+                </p:cond>
+              </p:nextCondLst>
+            </p:seq>
+          </p:childTnLst>
+        </p:cTn>
+      </p:par>
+    </p:tnLst>
+    <p:bldLst>
+      <p:bldP spid="8" grpId="0" animBg="1"/>
+    </p:bldLst>
+  </p:timing>
 </p:sld>
 </file>
 
